--- a/MOD08_Recursion/01 Presentacion/INFO2_MOD08_3-Merge_Sort.pptx
+++ b/MOD08_Recursion/01 Presentacion/INFO2_MOD08_3-Merge_Sort.pptx
@@ -5,15 +5,16 @@
     <p:sldMasterId id="2147483648" r:id="rId1"/>
   </p:sldMasterIdLst>
   <p:notesMasterIdLst>
-    <p:notesMasterId r:id="rId8"/>
+    <p:notesMasterId r:id="rId9"/>
   </p:notesMasterIdLst>
   <p:sldIdLst>
     <p:sldId id="256" r:id="rId2"/>
-    <p:sldId id="288" r:id="rId3"/>
-    <p:sldId id="302" r:id="rId4"/>
-    <p:sldId id="303" r:id="rId5"/>
-    <p:sldId id="289" r:id="rId6"/>
-    <p:sldId id="290" r:id="rId7"/>
+    <p:sldId id="303" r:id="rId3"/>
+    <p:sldId id="304" r:id="rId4"/>
+    <p:sldId id="288" r:id="rId5"/>
+    <p:sldId id="302" r:id="rId6"/>
+    <p:sldId id="289" r:id="rId7"/>
+    <p:sldId id="290" r:id="rId8"/>
   </p:sldIdLst>
   <p:sldSz cx="12192000" cy="6858000"/>
   <p:notesSz cx="6858000" cy="9144000"/>
@@ -4072,6 +4073,5198 @@
           <a:chExt cx="0" cy="0"/>
         </a:xfrm>
       </p:grpSpPr>
+      <p:pic>
+        <p:nvPicPr>
+          <p:cNvPr id="2" name="Picture 1">
+            <a:extLst>
+              <a:ext uri="{FF2B5EF4-FFF2-40B4-BE49-F238E27FC236}">
+                <a16:creationId xmlns:a16="http://schemas.microsoft.com/office/drawing/2014/main" id="{A5F6ADC1-9AD7-4C36-8ADB-55183C391AF4}"/>
+              </a:ext>
+            </a:extLst>
+          </p:cNvPr>
+          <p:cNvPicPr>
+            <a:picLocks noChangeAspect="1"/>
+          </p:cNvPicPr>
+          <p:nvPr/>
+        </p:nvPicPr>
+        <p:blipFill>
+          <a:blip r:embed="rId2"/>
+          <a:stretch>
+            <a:fillRect/>
+          </a:stretch>
+        </p:blipFill>
+        <p:spPr>
+          <a:xfrm>
+            <a:off x="2364832" y="-172073"/>
+            <a:ext cx="6995502" cy="1214410"/>
+          </a:xfrm>
+          <a:prstGeom prst="rect">
+            <a:avLst/>
+          </a:prstGeom>
+        </p:spPr>
+      </p:pic>
+      <p:pic>
+        <p:nvPicPr>
+          <p:cNvPr id="3" name="Picture 2">
+            <a:extLst>
+              <a:ext uri="{FF2B5EF4-FFF2-40B4-BE49-F238E27FC236}">
+                <a16:creationId xmlns:a16="http://schemas.microsoft.com/office/drawing/2014/main" id="{A09AA05F-4B20-4D5C-8396-848AF4C9307A}"/>
+              </a:ext>
+            </a:extLst>
+          </p:cNvPr>
+          <p:cNvPicPr>
+            <a:picLocks noChangeAspect="1"/>
+          </p:cNvPicPr>
+          <p:nvPr/>
+        </p:nvPicPr>
+        <p:blipFill>
+          <a:blip r:embed="rId3"/>
+          <a:stretch>
+            <a:fillRect/>
+          </a:stretch>
+        </p:blipFill>
+        <p:spPr>
+          <a:xfrm>
+            <a:off x="3746500" y="1068861"/>
+            <a:ext cx="849140" cy="657785"/>
+          </a:xfrm>
+          <a:prstGeom prst="rect">
+            <a:avLst/>
+          </a:prstGeom>
+        </p:spPr>
+      </p:pic>
+      <p:pic>
+        <p:nvPicPr>
+          <p:cNvPr id="4" name="Picture 3">
+            <a:extLst>
+              <a:ext uri="{FF2B5EF4-FFF2-40B4-BE49-F238E27FC236}">
+                <a16:creationId xmlns:a16="http://schemas.microsoft.com/office/drawing/2014/main" id="{AA121E7B-98B1-488C-A55D-219ACBCB2F2D}"/>
+              </a:ext>
+            </a:extLst>
+          </p:cNvPr>
+          <p:cNvPicPr>
+            <a:picLocks noChangeAspect="1"/>
+          </p:cNvPicPr>
+          <p:nvPr/>
+        </p:nvPicPr>
+        <p:blipFill>
+          <a:blip r:embed="rId4"/>
+          <a:stretch>
+            <a:fillRect/>
+          </a:stretch>
+        </p:blipFill>
+        <p:spPr>
+          <a:xfrm>
+            <a:off x="7698997" y="1042337"/>
+            <a:ext cx="746503" cy="595039"/>
+          </a:xfrm>
+          <a:prstGeom prst="rect">
+            <a:avLst/>
+          </a:prstGeom>
+        </p:spPr>
+      </p:pic>
+      <p:pic>
+        <p:nvPicPr>
+          <p:cNvPr id="5" name="Picture 4">
+            <a:extLst>
+              <a:ext uri="{FF2B5EF4-FFF2-40B4-BE49-F238E27FC236}">
+                <a16:creationId xmlns:a16="http://schemas.microsoft.com/office/drawing/2014/main" id="{7C13E83F-FA40-4933-9C23-1275E2D351C1}"/>
+              </a:ext>
+            </a:extLst>
+          </p:cNvPr>
+          <p:cNvPicPr>
+            <a:picLocks noChangeAspect="1"/>
+          </p:cNvPicPr>
+          <p:nvPr/>
+        </p:nvPicPr>
+        <p:blipFill>
+          <a:blip r:embed="rId5"/>
+          <a:stretch>
+            <a:fillRect/>
+          </a:stretch>
+        </p:blipFill>
+        <p:spPr>
+          <a:xfrm>
+            <a:off x="1358772" y="1744729"/>
+            <a:ext cx="3899513" cy="1223376"/>
+          </a:xfrm>
+          <a:prstGeom prst="rect">
+            <a:avLst/>
+          </a:prstGeom>
+        </p:spPr>
+      </p:pic>
+      <p:pic>
+        <p:nvPicPr>
+          <p:cNvPr id="6" name="Picture 5">
+            <a:extLst>
+              <a:ext uri="{FF2B5EF4-FFF2-40B4-BE49-F238E27FC236}">
+                <a16:creationId xmlns:a16="http://schemas.microsoft.com/office/drawing/2014/main" id="{70ED4343-290F-4ED3-990B-B8B19542CA28}"/>
+              </a:ext>
+            </a:extLst>
+          </p:cNvPr>
+          <p:cNvPicPr>
+            <a:picLocks noChangeAspect="1"/>
+          </p:cNvPicPr>
+          <p:nvPr/>
+        </p:nvPicPr>
+        <p:blipFill>
+          <a:blip r:embed="rId6"/>
+          <a:stretch>
+            <a:fillRect/>
+          </a:stretch>
+        </p:blipFill>
+        <p:spPr>
+          <a:xfrm>
+            <a:off x="6582068" y="1765349"/>
+            <a:ext cx="3899512" cy="1182135"/>
+          </a:xfrm>
+          <a:prstGeom prst="rect">
+            <a:avLst/>
+          </a:prstGeom>
+        </p:spPr>
+      </p:pic>
+      <p:pic>
+        <p:nvPicPr>
+          <p:cNvPr id="7" name="Picture 6">
+            <a:extLst>
+              <a:ext uri="{FF2B5EF4-FFF2-40B4-BE49-F238E27FC236}">
+                <a16:creationId xmlns:a16="http://schemas.microsoft.com/office/drawing/2014/main" id="{5CEAC393-DA10-4CB4-8E85-11B41657883B}"/>
+              </a:ext>
+            </a:extLst>
+          </p:cNvPr>
+          <p:cNvPicPr>
+            <a:picLocks noChangeAspect="1"/>
+          </p:cNvPicPr>
+          <p:nvPr/>
+        </p:nvPicPr>
+        <p:blipFill>
+          <a:blip r:embed="rId7"/>
+          <a:stretch>
+            <a:fillRect/>
+          </a:stretch>
+        </p:blipFill>
+        <p:spPr>
+          <a:xfrm>
+            <a:off x="816506" y="3702050"/>
+            <a:ext cx="2558207" cy="1194852"/>
+          </a:xfrm>
+          <a:prstGeom prst="rect">
+            <a:avLst/>
+          </a:prstGeom>
+        </p:spPr>
+      </p:pic>
+      <p:pic>
+        <p:nvPicPr>
+          <p:cNvPr id="8" name="Picture 7">
+            <a:extLst>
+              <a:ext uri="{FF2B5EF4-FFF2-40B4-BE49-F238E27FC236}">
+                <a16:creationId xmlns:a16="http://schemas.microsoft.com/office/drawing/2014/main" id="{54AB9A99-84E3-4CD5-BBFB-2354E4F8F152}"/>
+              </a:ext>
+            </a:extLst>
+          </p:cNvPr>
+          <p:cNvPicPr>
+            <a:picLocks noChangeAspect="1"/>
+          </p:cNvPicPr>
+          <p:nvPr/>
+        </p:nvPicPr>
+        <p:blipFill>
+          <a:blip r:embed="rId8"/>
+          <a:stretch>
+            <a:fillRect/>
+          </a:stretch>
+        </p:blipFill>
+        <p:spPr>
+          <a:xfrm>
+            <a:off x="4302668" y="3697693"/>
+            <a:ext cx="1215416" cy="1199209"/>
+          </a:xfrm>
+          <a:prstGeom prst="rect">
+            <a:avLst/>
+          </a:prstGeom>
+        </p:spPr>
+      </p:pic>
+      <p:pic>
+        <p:nvPicPr>
+          <p:cNvPr id="9" name="Picture 8">
+            <a:extLst>
+              <a:ext uri="{FF2B5EF4-FFF2-40B4-BE49-F238E27FC236}">
+                <a16:creationId xmlns:a16="http://schemas.microsoft.com/office/drawing/2014/main" id="{CC98EE7A-EAC4-4A5A-B06E-1BAF49D93CC0}"/>
+              </a:ext>
+            </a:extLst>
+          </p:cNvPr>
+          <p:cNvPicPr>
+            <a:picLocks noChangeAspect="1"/>
+          </p:cNvPicPr>
+          <p:nvPr/>
+        </p:nvPicPr>
+        <p:blipFill>
+          <a:blip r:embed="rId9"/>
+          <a:stretch>
+            <a:fillRect/>
+          </a:stretch>
+        </p:blipFill>
+        <p:spPr>
+          <a:xfrm>
+            <a:off x="6582068" y="3697693"/>
+            <a:ext cx="1215416" cy="1200594"/>
+          </a:xfrm>
+          <a:prstGeom prst="rect">
+            <a:avLst/>
+          </a:prstGeom>
+        </p:spPr>
+      </p:pic>
+      <p:pic>
+        <p:nvPicPr>
+          <p:cNvPr id="10" name="Picture 9">
+            <a:extLst>
+              <a:ext uri="{FF2B5EF4-FFF2-40B4-BE49-F238E27FC236}">
+                <a16:creationId xmlns:a16="http://schemas.microsoft.com/office/drawing/2014/main" id="{C6CA6A12-E970-442B-870D-636E87ACD31C}"/>
+              </a:ext>
+            </a:extLst>
+          </p:cNvPr>
+          <p:cNvPicPr>
+            <a:picLocks noChangeAspect="1"/>
+          </p:cNvPicPr>
+          <p:nvPr/>
+        </p:nvPicPr>
+        <p:blipFill>
+          <a:blip r:embed="rId10"/>
+          <a:stretch>
+            <a:fillRect/>
+          </a:stretch>
+        </p:blipFill>
+        <p:spPr>
+          <a:xfrm>
+            <a:off x="8861468" y="3680123"/>
+            <a:ext cx="2641691" cy="1216779"/>
+          </a:xfrm>
+          <a:prstGeom prst="rect">
+            <a:avLst/>
+          </a:prstGeom>
+        </p:spPr>
+      </p:pic>
+      <p:pic>
+        <p:nvPicPr>
+          <p:cNvPr id="11" name="Picture 10">
+            <a:extLst>
+              <a:ext uri="{FF2B5EF4-FFF2-40B4-BE49-F238E27FC236}">
+                <a16:creationId xmlns:a16="http://schemas.microsoft.com/office/drawing/2014/main" id="{FBC496FF-184E-4077-BDDE-22F21B1FB16A}"/>
+              </a:ext>
+            </a:extLst>
+          </p:cNvPr>
+          <p:cNvPicPr>
+            <a:picLocks noChangeAspect="1"/>
+          </p:cNvPicPr>
+          <p:nvPr/>
+        </p:nvPicPr>
+        <p:blipFill>
+          <a:blip r:embed="rId11"/>
+          <a:stretch>
+            <a:fillRect/>
+          </a:stretch>
+        </p:blipFill>
+        <p:spPr>
+          <a:xfrm>
+            <a:off x="416837" y="5603540"/>
+            <a:ext cx="1182682" cy="1197467"/>
+          </a:xfrm>
+          <a:prstGeom prst="rect">
+            <a:avLst/>
+          </a:prstGeom>
+        </p:spPr>
+      </p:pic>
+      <p:pic>
+        <p:nvPicPr>
+          <p:cNvPr id="12" name="Picture 11">
+            <a:extLst>
+              <a:ext uri="{FF2B5EF4-FFF2-40B4-BE49-F238E27FC236}">
+                <a16:creationId xmlns:a16="http://schemas.microsoft.com/office/drawing/2014/main" id="{AB3D5F84-7767-425F-94A3-673F4632FDB1}"/>
+              </a:ext>
+            </a:extLst>
+          </p:cNvPr>
+          <p:cNvPicPr>
+            <a:picLocks noChangeAspect="1"/>
+          </p:cNvPicPr>
+          <p:nvPr/>
+        </p:nvPicPr>
+        <p:blipFill>
+          <a:blip r:embed="rId12"/>
+          <a:stretch>
+            <a:fillRect/>
+          </a:stretch>
+        </p:blipFill>
+        <p:spPr>
+          <a:xfrm>
+            <a:off x="2396397" y="5617960"/>
+            <a:ext cx="1215416" cy="1200409"/>
+          </a:xfrm>
+          <a:prstGeom prst="rect">
+            <a:avLst/>
+          </a:prstGeom>
+        </p:spPr>
+      </p:pic>
+      <p:pic>
+        <p:nvPicPr>
+          <p:cNvPr id="13" name="Picture 12">
+            <a:extLst>
+              <a:ext uri="{FF2B5EF4-FFF2-40B4-BE49-F238E27FC236}">
+                <a16:creationId xmlns:a16="http://schemas.microsoft.com/office/drawing/2014/main" id="{FA4F37F0-A064-474F-95B1-4FBBF189FBA6}"/>
+              </a:ext>
+            </a:extLst>
+          </p:cNvPr>
+          <p:cNvPicPr>
+            <a:picLocks noChangeAspect="1"/>
+          </p:cNvPicPr>
+          <p:nvPr/>
+        </p:nvPicPr>
+        <p:blipFill>
+          <a:blip r:embed="rId13"/>
+          <a:stretch>
+            <a:fillRect/>
+          </a:stretch>
+        </p:blipFill>
+        <p:spPr>
+          <a:xfrm>
+            <a:off x="4497891" y="5638459"/>
+            <a:ext cx="1215416" cy="1128601"/>
+          </a:xfrm>
+          <a:prstGeom prst="rect">
+            <a:avLst/>
+          </a:prstGeom>
+        </p:spPr>
+      </p:pic>
+      <p:pic>
+        <p:nvPicPr>
+          <p:cNvPr id="14" name="Picture 13">
+            <a:extLst>
+              <a:ext uri="{FF2B5EF4-FFF2-40B4-BE49-F238E27FC236}">
+                <a16:creationId xmlns:a16="http://schemas.microsoft.com/office/drawing/2014/main" id="{E9A6BE60-697E-4DB2-B71D-FCA8B3F5C852}"/>
+              </a:ext>
+            </a:extLst>
+          </p:cNvPr>
+          <p:cNvPicPr>
+            <a:picLocks noChangeAspect="1"/>
+          </p:cNvPicPr>
+          <p:nvPr/>
+        </p:nvPicPr>
+        <p:blipFill>
+          <a:blip r:embed="rId14"/>
+          <a:stretch>
+            <a:fillRect/>
+          </a:stretch>
+        </p:blipFill>
+        <p:spPr>
+          <a:xfrm>
+            <a:off x="6585588" y="5616111"/>
+            <a:ext cx="1215416" cy="1185032"/>
+          </a:xfrm>
+          <a:prstGeom prst="rect">
+            <a:avLst/>
+          </a:prstGeom>
+        </p:spPr>
+      </p:pic>
+      <p:pic>
+        <p:nvPicPr>
+          <p:cNvPr id="15" name="Picture 14">
+            <a:extLst>
+              <a:ext uri="{FF2B5EF4-FFF2-40B4-BE49-F238E27FC236}">
+                <a16:creationId xmlns:a16="http://schemas.microsoft.com/office/drawing/2014/main" id="{215750FD-04CC-4875-B3A9-6A9CEF92E145}"/>
+              </a:ext>
+            </a:extLst>
+          </p:cNvPr>
+          <p:cNvPicPr>
+            <a:picLocks noChangeAspect="1"/>
+          </p:cNvPicPr>
+          <p:nvPr/>
+        </p:nvPicPr>
+        <p:blipFill>
+          <a:blip r:embed="rId15"/>
+          <a:stretch>
+            <a:fillRect/>
+          </a:stretch>
+        </p:blipFill>
+        <p:spPr>
+          <a:xfrm>
+            <a:off x="8611752" y="5614424"/>
+            <a:ext cx="1215416" cy="1200032"/>
+          </a:xfrm>
+          <a:prstGeom prst="rect">
+            <a:avLst/>
+          </a:prstGeom>
+        </p:spPr>
+      </p:pic>
+      <p:pic>
+        <p:nvPicPr>
+          <p:cNvPr id="16" name="Picture 15">
+            <a:extLst>
+              <a:ext uri="{FF2B5EF4-FFF2-40B4-BE49-F238E27FC236}">
+                <a16:creationId xmlns:a16="http://schemas.microsoft.com/office/drawing/2014/main" id="{3EEA1FA1-E4C6-4F66-9468-8D980901FB81}"/>
+              </a:ext>
+            </a:extLst>
+          </p:cNvPr>
+          <p:cNvPicPr>
+            <a:picLocks noChangeAspect="1"/>
+          </p:cNvPicPr>
+          <p:nvPr/>
+        </p:nvPicPr>
+        <p:blipFill>
+          <a:blip r:embed="rId16"/>
+          <a:stretch>
+            <a:fillRect/>
+          </a:stretch>
+        </p:blipFill>
+        <p:spPr>
+          <a:xfrm>
+            <a:off x="10713246" y="5562329"/>
+            <a:ext cx="1210211" cy="1225726"/>
+          </a:xfrm>
+          <a:prstGeom prst="rect">
+            <a:avLst/>
+          </a:prstGeom>
+        </p:spPr>
+      </p:pic>
+      <p:pic>
+        <p:nvPicPr>
+          <p:cNvPr id="18" name="Picture 17">
+            <a:extLst>
+              <a:ext uri="{FF2B5EF4-FFF2-40B4-BE49-F238E27FC236}">
+                <a16:creationId xmlns:a16="http://schemas.microsoft.com/office/drawing/2014/main" id="{B97D9994-7741-455A-8EB1-88998C5A110F}"/>
+              </a:ext>
+            </a:extLst>
+          </p:cNvPr>
+          <p:cNvPicPr>
+            <a:picLocks noChangeAspect="1"/>
+          </p:cNvPicPr>
+          <p:nvPr/>
+        </p:nvPicPr>
+        <p:blipFill>
+          <a:blip r:embed="rId3"/>
+          <a:stretch>
+            <a:fillRect/>
+          </a:stretch>
+        </p:blipFill>
+        <p:spPr>
+          <a:xfrm>
+            <a:off x="2176948" y="2947484"/>
+            <a:ext cx="849140" cy="657785"/>
+          </a:xfrm>
+          <a:prstGeom prst="rect">
+            <a:avLst/>
+          </a:prstGeom>
+        </p:spPr>
+      </p:pic>
+      <p:pic>
+        <p:nvPicPr>
+          <p:cNvPr id="19" name="Picture 18">
+            <a:extLst>
+              <a:ext uri="{FF2B5EF4-FFF2-40B4-BE49-F238E27FC236}">
+                <a16:creationId xmlns:a16="http://schemas.microsoft.com/office/drawing/2014/main" id="{DA3520F6-9DA9-4871-87DA-47E120056C3B}"/>
+              </a:ext>
+            </a:extLst>
+          </p:cNvPr>
+          <p:cNvPicPr>
+            <a:picLocks noChangeAspect="1"/>
+          </p:cNvPicPr>
+          <p:nvPr/>
+        </p:nvPicPr>
+        <p:blipFill>
+          <a:blip r:embed="rId4"/>
+          <a:stretch>
+            <a:fillRect/>
+          </a:stretch>
+        </p:blipFill>
+        <p:spPr>
+          <a:xfrm>
+            <a:off x="4302668" y="2986188"/>
+            <a:ext cx="746503" cy="595039"/>
+          </a:xfrm>
+          <a:prstGeom prst="rect">
+            <a:avLst/>
+          </a:prstGeom>
+        </p:spPr>
+      </p:pic>
+      <p:pic>
+        <p:nvPicPr>
+          <p:cNvPr id="20" name="Picture 19">
+            <a:extLst>
+              <a:ext uri="{FF2B5EF4-FFF2-40B4-BE49-F238E27FC236}">
+                <a16:creationId xmlns:a16="http://schemas.microsoft.com/office/drawing/2014/main" id="{8BDEE54C-5099-472E-A5CB-E3A7A0E3C878}"/>
+              </a:ext>
+            </a:extLst>
+          </p:cNvPr>
+          <p:cNvPicPr>
+            <a:picLocks noChangeAspect="1"/>
+          </p:cNvPicPr>
+          <p:nvPr/>
+        </p:nvPicPr>
+        <p:blipFill>
+          <a:blip r:embed="rId4"/>
+          <a:stretch>
+            <a:fillRect/>
+          </a:stretch>
+        </p:blipFill>
+        <p:spPr>
+          <a:xfrm>
+            <a:off x="9331203" y="2968105"/>
+            <a:ext cx="746503" cy="595039"/>
+          </a:xfrm>
+          <a:prstGeom prst="rect">
+            <a:avLst/>
+          </a:prstGeom>
+        </p:spPr>
+      </p:pic>
+      <p:pic>
+        <p:nvPicPr>
+          <p:cNvPr id="21" name="Picture 20">
+            <a:extLst>
+              <a:ext uri="{FF2B5EF4-FFF2-40B4-BE49-F238E27FC236}">
+                <a16:creationId xmlns:a16="http://schemas.microsoft.com/office/drawing/2014/main" id="{46938430-8393-47CA-BBD6-181A4BC06678}"/>
+              </a:ext>
+            </a:extLst>
+          </p:cNvPr>
+          <p:cNvPicPr>
+            <a:picLocks noChangeAspect="1"/>
+          </p:cNvPicPr>
+          <p:nvPr/>
+        </p:nvPicPr>
+        <p:blipFill>
+          <a:blip r:embed="rId3"/>
+          <a:stretch>
+            <a:fillRect/>
+          </a:stretch>
+        </p:blipFill>
+        <p:spPr>
+          <a:xfrm>
+            <a:off x="6852695" y="2947484"/>
+            <a:ext cx="849140" cy="657785"/>
+          </a:xfrm>
+          <a:prstGeom prst="rect">
+            <a:avLst/>
+          </a:prstGeom>
+        </p:spPr>
+      </p:pic>
+      <p:pic>
+        <p:nvPicPr>
+          <p:cNvPr id="22" name="Picture 21">
+            <a:extLst>
+              <a:ext uri="{FF2B5EF4-FFF2-40B4-BE49-F238E27FC236}">
+                <a16:creationId xmlns:a16="http://schemas.microsoft.com/office/drawing/2014/main" id="{E2AF92DA-03F3-4545-A349-97152E5F7FDB}"/>
+              </a:ext>
+            </a:extLst>
+          </p:cNvPr>
+          <p:cNvPicPr>
+            <a:picLocks noChangeAspect="1"/>
+          </p:cNvPicPr>
+          <p:nvPr/>
+        </p:nvPicPr>
+        <p:blipFill>
+          <a:blip r:embed="rId3"/>
+          <a:stretch>
+            <a:fillRect/>
+          </a:stretch>
+        </p:blipFill>
+        <p:spPr>
+          <a:xfrm>
+            <a:off x="732601" y="4873939"/>
+            <a:ext cx="849140" cy="657785"/>
+          </a:xfrm>
+          <a:prstGeom prst="rect">
+            <a:avLst/>
+          </a:prstGeom>
+        </p:spPr>
+      </p:pic>
+      <p:pic>
+        <p:nvPicPr>
+          <p:cNvPr id="23" name="Picture 22">
+            <a:extLst>
+              <a:ext uri="{FF2B5EF4-FFF2-40B4-BE49-F238E27FC236}">
+                <a16:creationId xmlns:a16="http://schemas.microsoft.com/office/drawing/2014/main" id="{A71AC228-4C39-46D7-B085-C2BF41641D3E}"/>
+              </a:ext>
+            </a:extLst>
+          </p:cNvPr>
+          <p:cNvPicPr>
+            <a:picLocks noChangeAspect="1"/>
+          </p:cNvPicPr>
+          <p:nvPr/>
+        </p:nvPicPr>
+        <p:blipFill>
+          <a:blip r:embed="rId3"/>
+          <a:stretch>
+            <a:fillRect/>
+          </a:stretch>
+        </p:blipFill>
+        <p:spPr>
+          <a:xfrm rot="20117842">
+            <a:off x="6677292" y="4911101"/>
+            <a:ext cx="849141" cy="657786"/>
+          </a:xfrm>
+          <a:prstGeom prst="rect">
+            <a:avLst/>
+          </a:prstGeom>
+        </p:spPr>
+      </p:pic>
+      <p:pic>
+        <p:nvPicPr>
+          <p:cNvPr id="24" name="Picture 23">
+            <a:extLst>
+              <a:ext uri="{FF2B5EF4-FFF2-40B4-BE49-F238E27FC236}">
+                <a16:creationId xmlns:a16="http://schemas.microsoft.com/office/drawing/2014/main" id="{C459D926-0EB9-43A0-B458-8578F9CF38A3}"/>
+              </a:ext>
+            </a:extLst>
+          </p:cNvPr>
+          <p:cNvPicPr>
+            <a:picLocks noChangeAspect="1"/>
+          </p:cNvPicPr>
+          <p:nvPr/>
+        </p:nvPicPr>
+        <p:blipFill>
+          <a:blip r:embed="rId3"/>
+          <a:stretch>
+            <a:fillRect/>
+          </a:stretch>
+        </p:blipFill>
+        <p:spPr>
+          <a:xfrm>
+            <a:off x="8846184" y="4926290"/>
+            <a:ext cx="849141" cy="657786"/>
+          </a:xfrm>
+          <a:prstGeom prst="rect">
+            <a:avLst/>
+          </a:prstGeom>
+        </p:spPr>
+      </p:pic>
+      <p:pic>
+        <p:nvPicPr>
+          <p:cNvPr id="25" name="Picture 24">
+            <a:extLst>
+              <a:ext uri="{FF2B5EF4-FFF2-40B4-BE49-F238E27FC236}">
+                <a16:creationId xmlns:a16="http://schemas.microsoft.com/office/drawing/2014/main" id="{3A2789EF-7927-4E07-98E6-5A47BD168A52}"/>
+              </a:ext>
+            </a:extLst>
+          </p:cNvPr>
+          <p:cNvPicPr>
+            <a:picLocks noChangeAspect="1"/>
+          </p:cNvPicPr>
+          <p:nvPr/>
+        </p:nvPicPr>
+        <p:blipFill>
+          <a:blip r:embed="rId4"/>
+          <a:stretch>
+            <a:fillRect/>
+          </a:stretch>
+        </p:blipFill>
+        <p:spPr>
+          <a:xfrm>
+            <a:off x="2440400" y="4918978"/>
+            <a:ext cx="849140" cy="676851"/>
+          </a:xfrm>
+          <a:prstGeom prst="rect">
+            <a:avLst/>
+          </a:prstGeom>
+        </p:spPr>
+      </p:pic>
+      <p:pic>
+        <p:nvPicPr>
+          <p:cNvPr id="27" name="Picture 26">
+            <a:extLst>
+              <a:ext uri="{FF2B5EF4-FFF2-40B4-BE49-F238E27FC236}">
+                <a16:creationId xmlns:a16="http://schemas.microsoft.com/office/drawing/2014/main" id="{AB393826-60A3-4B29-8061-8ACF14D234C0}"/>
+              </a:ext>
+            </a:extLst>
+          </p:cNvPr>
+          <p:cNvPicPr>
+            <a:picLocks noChangeAspect="1"/>
+          </p:cNvPicPr>
+          <p:nvPr/>
+        </p:nvPicPr>
+        <p:blipFill>
+          <a:blip r:embed="rId4"/>
+          <a:stretch>
+            <a:fillRect/>
+          </a:stretch>
+        </p:blipFill>
+        <p:spPr>
+          <a:xfrm>
+            <a:off x="10643144" y="4948147"/>
+            <a:ext cx="721542" cy="575142"/>
+          </a:xfrm>
+          <a:prstGeom prst="rect">
+            <a:avLst/>
+          </a:prstGeom>
+        </p:spPr>
+      </p:pic>
+      <p:pic>
+        <p:nvPicPr>
+          <p:cNvPr id="28" name="Picture 27">
+            <a:extLst>
+              <a:ext uri="{FF2B5EF4-FFF2-40B4-BE49-F238E27FC236}">
+                <a16:creationId xmlns:a16="http://schemas.microsoft.com/office/drawing/2014/main" id="{F98A7A00-B59D-4E81-8C47-2E6EC175764D}"/>
+              </a:ext>
+            </a:extLst>
+          </p:cNvPr>
+          <p:cNvPicPr>
+            <a:picLocks noChangeAspect="1"/>
+          </p:cNvPicPr>
+          <p:nvPr/>
+        </p:nvPicPr>
+        <p:blipFill>
+          <a:blip r:embed="rId4"/>
+          <a:stretch>
+            <a:fillRect/>
+          </a:stretch>
+        </p:blipFill>
+        <p:spPr>
+          <a:xfrm rot="1837843">
+            <a:off x="4662769" y="4987381"/>
+            <a:ext cx="746503" cy="595039"/>
+          </a:xfrm>
+          <a:prstGeom prst="rect">
+            <a:avLst/>
+          </a:prstGeom>
+        </p:spPr>
+      </p:pic>
+    </p:spTree>
+    <p:extLst>
+      <p:ext uri="{BB962C8B-B14F-4D97-AF65-F5344CB8AC3E}">
+        <p14:creationId xmlns:p14="http://schemas.microsoft.com/office/powerpoint/2010/main" val="163863590"/>
+      </p:ext>
+    </p:extLst>
+  </p:cSld>
+  <p:clrMapOvr>
+    <a:masterClrMapping/>
+  </p:clrMapOvr>
+  <p:timing>
+    <p:tnLst>
+      <p:par>
+        <p:cTn id="1" dur="indefinite" restart="never" nodeType="tmRoot">
+          <p:childTnLst>
+            <p:seq concurrent="1" nextAc="seek">
+              <p:cTn id="2" dur="indefinite" nodeType="mainSeq">
+                <p:childTnLst>
+                  <p:par>
+                    <p:cTn id="3" fill="hold">
+                      <p:stCondLst>
+                        <p:cond delay="indefinite"/>
+                      </p:stCondLst>
+                      <p:childTnLst>
+                        <p:par>
+                          <p:cTn id="4" fill="hold">
+                            <p:stCondLst>
+                              <p:cond delay="0"/>
+                            </p:stCondLst>
+                            <p:childTnLst>
+                              <p:par>
+                                <p:cTn id="5" presetID="2" presetClass="entr" presetSubtype="4" fill="hold" nodeType="clickEffect">
+                                  <p:stCondLst>
+                                    <p:cond delay="0"/>
+                                  </p:stCondLst>
+                                  <p:childTnLst>
+                                    <p:set>
+                                      <p:cBhvr>
+                                        <p:cTn id="6" dur="1" fill="hold">
+                                          <p:stCondLst>
+                                            <p:cond delay="0"/>
+                                          </p:stCondLst>
+                                        </p:cTn>
+                                        <p:tgtEl>
+                                          <p:spTgt spid="2"/>
+                                        </p:tgtEl>
+                                        <p:attrNameLst>
+                                          <p:attrName>style.visibility</p:attrName>
+                                        </p:attrNameLst>
+                                      </p:cBhvr>
+                                      <p:to>
+                                        <p:strVal val="visible"/>
+                                      </p:to>
+                                    </p:set>
+                                    <p:anim calcmode="lin" valueType="num">
+                                      <p:cBhvr additive="base">
+                                        <p:cTn id="7" dur="500" fill="hold"/>
+                                        <p:tgtEl>
+                                          <p:spTgt spid="2"/>
+                                        </p:tgtEl>
+                                        <p:attrNameLst>
+                                          <p:attrName>ppt_x</p:attrName>
+                                        </p:attrNameLst>
+                                      </p:cBhvr>
+                                      <p:tavLst>
+                                        <p:tav tm="0">
+                                          <p:val>
+                                            <p:strVal val="#ppt_x"/>
+                                          </p:val>
+                                        </p:tav>
+                                        <p:tav tm="100000">
+                                          <p:val>
+                                            <p:strVal val="#ppt_x"/>
+                                          </p:val>
+                                        </p:tav>
+                                      </p:tavLst>
+                                    </p:anim>
+                                    <p:anim calcmode="lin" valueType="num">
+                                      <p:cBhvr additive="base">
+                                        <p:cTn id="8" dur="500" fill="hold"/>
+                                        <p:tgtEl>
+                                          <p:spTgt spid="2"/>
+                                        </p:tgtEl>
+                                        <p:attrNameLst>
+                                          <p:attrName>ppt_y</p:attrName>
+                                        </p:attrNameLst>
+                                      </p:cBhvr>
+                                      <p:tavLst>
+                                        <p:tav tm="0">
+                                          <p:val>
+                                            <p:strVal val="1+#ppt_h/2"/>
+                                          </p:val>
+                                        </p:tav>
+                                        <p:tav tm="100000">
+                                          <p:val>
+                                            <p:strVal val="#ppt_y"/>
+                                          </p:val>
+                                        </p:tav>
+                                      </p:tavLst>
+                                    </p:anim>
+                                  </p:childTnLst>
+                                </p:cTn>
+                              </p:par>
+                            </p:childTnLst>
+                          </p:cTn>
+                        </p:par>
+                      </p:childTnLst>
+                    </p:cTn>
+                  </p:par>
+                  <p:par>
+                    <p:cTn id="9" fill="hold">
+                      <p:stCondLst>
+                        <p:cond delay="indefinite"/>
+                      </p:stCondLst>
+                      <p:childTnLst>
+                        <p:par>
+                          <p:cTn id="10" fill="hold">
+                            <p:stCondLst>
+                              <p:cond delay="0"/>
+                            </p:stCondLst>
+                            <p:childTnLst>
+                              <p:par>
+                                <p:cTn id="11" presetID="2" presetClass="entr" presetSubtype="4" fill="hold" nodeType="clickEffect">
+                                  <p:stCondLst>
+                                    <p:cond delay="0"/>
+                                  </p:stCondLst>
+                                  <p:childTnLst>
+                                    <p:set>
+                                      <p:cBhvr>
+                                        <p:cTn id="12" dur="1" fill="hold">
+                                          <p:stCondLst>
+                                            <p:cond delay="0"/>
+                                          </p:stCondLst>
+                                        </p:cTn>
+                                        <p:tgtEl>
+                                          <p:spTgt spid="3"/>
+                                        </p:tgtEl>
+                                        <p:attrNameLst>
+                                          <p:attrName>style.visibility</p:attrName>
+                                        </p:attrNameLst>
+                                      </p:cBhvr>
+                                      <p:to>
+                                        <p:strVal val="visible"/>
+                                      </p:to>
+                                    </p:set>
+                                    <p:anim calcmode="lin" valueType="num">
+                                      <p:cBhvr additive="base">
+                                        <p:cTn id="13" dur="500" fill="hold"/>
+                                        <p:tgtEl>
+                                          <p:spTgt spid="3"/>
+                                        </p:tgtEl>
+                                        <p:attrNameLst>
+                                          <p:attrName>ppt_x</p:attrName>
+                                        </p:attrNameLst>
+                                      </p:cBhvr>
+                                      <p:tavLst>
+                                        <p:tav tm="0">
+                                          <p:val>
+                                            <p:strVal val="#ppt_x"/>
+                                          </p:val>
+                                        </p:tav>
+                                        <p:tav tm="100000">
+                                          <p:val>
+                                            <p:strVal val="#ppt_x"/>
+                                          </p:val>
+                                        </p:tav>
+                                      </p:tavLst>
+                                    </p:anim>
+                                    <p:anim calcmode="lin" valueType="num">
+                                      <p:cBhvr additive="base">
+                                        <p:cTn id="14" dur="500" fill="hold"/>
+                                        <p:tgtEl>
+                                          <p:spTgt spid="3"/>
+                                        </p:tgtEl>
+                                        <p:attrNameLst>
+                                          <p:attrName>ppt_y</p:attrName>
+                                        </p:attrNameLst>
+                                      </p:cBhvr>
+                                      <p:tavLst>
+                                        <p:tav tm="0">
+                                          <p:val>
+                                            <p:strVal val="1+#ppt_h/2"/>
+                                          </p:val>
+                                        </p:tav>
+                                        <p:tav tm="100000">
+                                          <p:val>
+                                            <p:strVal val="#ppt_y"/>
+                                          </p:val>
+                                        </p:tav>
+                                      </p:tavLst>
+                                    </p:anim>
+                                  </p:childTnLst>
+                                </p:cTn>
+                              </p:par>
+                              <p:par>
+                                <p:cTn id="15" presetID="2" presetClass="entr" presetSubtype="4" fill="hold" nodeType="withEffect">
+                                  <p:stCondLst>
+                                    <p:cond delay="0"/>
+                                  </p:stCondLst>
+                                  <p:childTnLst>
+                                    <p:set>
+                                      <p:cBhvr>
+                                        <p:cTn id="16" dur="1" fill="hold">
+                                          <p:stCondLst>
+                                            <p:cond delay="0"/>
+                                          </p:stCondLst>
+                                        </p:cTn>
+                                        <p:tgtEl>
+                                          <p:spTgt spid="5"/>
+                                        </p:tgtEl>
+                                        <p:attrNameLst>
+                                          <p:attrName>style.visibility</p:attrName>
+                                        </p:attrNameLst>
+                                      </p:cBhvr>
+                                      <p:to>
+                                        <p:strVal val="visible"/>
+                                      </p:to>
+                                    </p:set>
+                                    <p:anim calcmode="lin" valueType="num">
+                                      <p:cBhvr additive="base">
+                                        <p:cTn id="17" dur="500" fill="hold"/>
+                                        <p:tgtEl>
+                                          <p:spTgt spid="5"/>
+                                        </p:tgtEl>
+                                        <p:attrNameLst>
+                                          <p:attrName>ppt_x</p:attrName>
+                                        </p:attrNameLst>
+                                      </p:cBhvr>
+                                      <p:tavLst>
+                                        <p:tav tm="0">
+                                          <p:val>
+                                            <p:strVal val="#ppt_x"/>
+                                          </p:val>
+                                        </p:tav>
+                                        <p:tav tm="100000">
+                                          <p:val>
+                                            <p:strVal val="#ppt_x"/>
+                                          </p:val>
+                                        </p:tav>
+                                      </p:tavLst>
+                                    </p:anim>
+                                    <p:anim calcmode="lin" valueType="num">
+                                      <p:cBhvr additive="base">
+                                        <p:cTn id="18" dur="500" fill="hold"/>
+                                        <p:tgtEl>
+                                          <p:spTgt spid="5"/>
+                                        </p:tgtEl>
+                                        <p:attrNameLst>
+                                          <p:attrName>ppt_y</p:attrName>
+                                        </p:attrNameLst>
+                                      </p:cBhvr>
+                                      <p:tavLst>
+                                        <p:tav tm="0">
+                                          <p:val>
+                                            <p:strVal val="1+#ppt_h/2"/>
+                                          </p:val>
+                                        </p:tav>
+                                        <p:tav tm="100000">
+                                          <p:val>
+                                            <p:strVal val="#ppt_y"/>
+                                          </p:val>
+                                        </p:tav>
+                                      </p:tavLst>
+                                    </p:anim>
+                                  </p:childTnLst>
+                                </p:cTn>
+                              </p:par>
+                            </p:childTnLst>
+                          </p:cTn>
+                        </p:par>
+                      </p:childTnLst>
+                    </p:cTn>
+                  </p:par>
+                  <p:par>
+                    <p:cTn id="19" fill="hold">
+                      <p:stCondLst>
+                        <p:cond delay="indefinite"/>
+                      </p:stCondLst>
+                      <p:childTnLst>
+                        <p:par>
+                          <p:cTn id="20" fill="hold">
+                            <p:stCondLst>
+                              <p:cond delay="0"/>
+                            </p:stCondLst>
+                            <p:childTnLst>
+                              <p:par>
+                                <p:cTn id="21" presetID="2" presetClass="entr" presetSubtype="4" fill="hold" nodeType="clickEffect">
+                                  <p:stCondLst>
+                                    <p:cond delay="0"/>
+                                  </p:stCondLst>
+                                  <p:childTnLst>
+                                    <p:set>
+                                      <p:cBhvr>
+                                        <p:cTn id="22" dur="1" fill="hold">
+                                          <p:stCondLst>
+                                            <p:cond delay="0"/>
+                                          </p:stCondLst>
+                                        </p:cTn>
+                                        <p:tgtEl>
+                                          <p:spTgt spid="4"/>
+                                        </p:tgtEl>
+                                        <p:attrNameLst>
+                                          <p:attrName>style.visibility</p:attrName>
+                                        </p:attrNameLst>
+                                      </p:cBhvr>
+                                      <p:to>
+                                        <p:strVal val="visible"/>
+                                      </p:to>
+                                    </p:set>
+                                    <p:anim calcmode="lin" valueType="num">
+                                      <p:cBhvr additive="base">
+                                        <p:cTn id="23" dur="500" fill="hold"/>
+                                        <p:tgtEl>
+                                          <p:spTgt spid="4"/>
+                                        </p:tgtEl>
+                                        <p:attrNameLst>
+                                          <p:attrName>ppt_x</p:attrName>
+                                        </p:attrNameLst>
+                                      </p:cBhvr>
+                                      <p:tavLst>
+                                        <p:tav tm="0">
+                                          <p:val>
+                                            <p:strVal val="#ppt_x"/>
+                                          </p:val>
+                                        </p:tav>
+                                        <p:tav tm="100000">
+                                          <p:val>
+                                            <p:strVal val="#ppt_x"/>
+                                          </p:val>
+                                        </p:tav>
+                                      </p:tavLst>
+                                    </p:anim>
+                                    <p:anim calcmode="lin" valueType="num">
+                                      <p:cBhvr additive="base">
+                                        <p:cTn id="24" dur="500" fill="hold"/>
+                                        <p:tgtEl>
+                                          <p:spTgt spid="4"/>
+                                        </p:tgtEl>
+                                        <p:attrNameLst>
+                                          <p:attrName>ppt_y</p:attrName>
+                                        </p:attrNameLst>
+                                      </p:cBhvr>
+                                      <p:tavLst>
+                                        <p:tav tm="0">
+                                          <p:val>
+                                            <p:strVal val="1+#ppt_h/2"/>
+                                          </p:val>
+                                        </p:tav>
+                                        <p:tav tm="100000">
+                                          <p:val>
+                                            <p:strVal val="#ppt_y"/>
+                                          </p:val>
+                                        </p:tav>
+                                      </p:tavLst>
+                                    </p:anim>
+                                  </p:childTnLst>
+                                </p:cTn>
+                              </p:par>
+                              <p:par>
+                                <p:cTn id="25" presetID="2" presetClass="entr" presetSubtype="4" fill="hold" nodeType="withEffect">
+                                  <p:stCondLst>
+                                    <p:cond delay="0"/>
+                                  </p:stCondLst>
+                                  <p:childTnLst>
+                                    <p:set>
+                                      <p:cBhvr>
+                                        <p:cTn id="26" dur="1" fill="hold">
+                                          <p:stCondLst>
+                                            <p:cond delay="0"/>
+                                          </p:stCondLst>
+                                        </p:cTn>
+                                        <p:tgtEl>
+                                          <p:spTgt spid="6"/>
+                                        </p:tgtEl>
+                                        <p:attrNameLst>
+                                          <p:attrName>style.visibility</p:attrName>
+                                        </p:attrNameLst>
+                                      </p:cBhvr>
+                                      <p:to>
+                                        <p:strVal val="visible"/>
+                                      </p:to>
+                                    </p:set>
+                                    <p:anim calcmode="lin" valueType="num">
+                                      <p:cBhvr additive="base">
+                                        <p:cTn id="27" dur="500" fill="hold"/>
+                                        <p:tgtEl>
+                                          <p:spTgt spid="6"/>
+                                        </p:tgtEl>
+                                        <p:attrNameLst>
+                                          <p:attrName>ppt_x</p:attrName>
+                                        </p:attrNameLst>
+                                      </p:cBhvr>
+                                      <p:tavLst>
+                                        <p:tav tm="0">
+                                          <p:val>
+                                            <p:strVal val="#ppt_x"/>
+                                          </p:val>
+                                        </p:tav>
+                                        <p:tav tm="100000">
+                                          <p:val>
+                                            <p:strVal val="#ppt_x"/>
+                                          </p:val>
+                                        </p:tav>
+                                      </p:tavLst>
+                                    </p:anim>
+                                    <p:anim calcmode="lin" valueType="num">
+                                      <p:cBhvr additive="base">
+                                        <p:cTn id="28" dur="500" fill="hold"/>
+                                        <p:tgtEl>
+                                          <p:spTgt spid="6"/>
+                                        </p:tgtEl>
+                                        <p:attrNameLst>
+                                          <p:attrName>ppt_y</p:attrName>
+                                        </p:attrNameLst>
+                                      </p:cBhvr>
+                                      <p:tavLst>
+                                        <p:tav tm="0">
+                                          <p:val>
+                                            <p:strVal val="1+#ppt_h/2"/>
+                                          </p:val>
+                                        </p:tav>
+                                        <p:tav tm="100000">
+                                          <p:val>
+                                            <p:strVal val="#ppt_y"/>
+                                          </p:val>
+                                        </p:tav>
+                                      </p:tavLst>
+                                    </p:anim>
+                                  </p:childTnLst>
+                                </p:cTn>
+                              </p:par>
+                            </p:childTnLst>
+                          </p:cTn>
+                        </p:par>
+                      </p:childTnLst>
+                    </p:cTn>
+                  </p:par>
+                  <p:par>
+                    <p:cTn id="29" fill="hold">
+                      <p:stCondLst>
+                        <p:cond delay="indefinite"/>
+                      </p:stCondLst>
+                      <p:childTnLst>
+                        <p:par>
+                          <p:cTn id="30" fill="hold">
+                            <p:stCondLst>
+                              <p:cond delay="0"/>
+                            </p:stCondLst>
+                            <p:childTnLst>
+                              <p:par>
+                                <p:cTn id="31" presetID="2" presetClass="entr" presetSubtype="4" fill="hold" nodeType="clickEffect">
+                                  <p:stCondLst>
+                                    <p:cond delay="0"/>
+                                  </p:stCondLst>
+                                  <p:childTnLst>
+                                    <p:set>
+                                      <p:cBhvr>
+                                        <p:cTn id="32" dur="1" fill="hold">
+                                          <p:stCondLst>
+                                            <p:cond delay="0"/>
+                                          </p:stCondLst>
+                                        </p:cTn>
+                                        <p:tgtEl>
+                                          <p:spTgt spid="18"/>
+                                        </p:tgtEl>
+                                        <p:attrNameLst>
+                                          <p:attrName>style.visibility</p:attrName>
+                                        </p:attrNameLst>
+                                      </p:cBhvr>
+                                      <p:to>
+                                        <p:strVal val="visible"/>
+                                      </p:to>
+                                    </p:set>
+                                    <p:anim calcmode="lin" valueType="num">
+                                      <p:cBhvr additive="base">
+                                        <p:cTn id="33" dur="500" fill="hold"/>
+                                        <p:tgtEl>
+                                          <p:spTgt spid="18"/>
+                                        </p:tgtEl>
+                                        <p:attrNameLst>
+                                          <p:attrName>ppt_x</p:attrName>
+                                        </p:attrNameLst>
+                                      </p:cBhvr>
+                                      <p:tavLst>
+                                        <p:tav tm="0">
+                                          <p:val>
+                                            <p:strVal val="#ppt_x"/>
+                                          </p:val>
+                                        </p:tav>
+                                        <p:tav tm="100000">
+                                          <p:val>
+                                            <p:strVal val="#ppt_x"/>
+                                          </p:val>
+                                        </p:tav>
+                                      </p:tavLst>
+                                    </p:anim>
+                                    <p:anim calcmode="lin" valueType="num">
+                                      <p:cBhvr additive="base">
+                                        <p:cTn id="34" dur="500" fill="hold"/>
+                                        <p:tgtEl>
+                                          <p:spTgt spid="18"/>
+                                        </p:tgtEl>
+                                        <p:attrNameLst>
+                                          <p:attrName>ppt_y</p:attrName>
+                                        </p:attrNameLst>
+                                      </p:cBhvr>
+                                      <p:tavLst>
+                                        <p:tav tm="0">
+                                          <p:val>
+                                            <p:strVal val="1+#ppt_h/2"/>
+                                          </p:val>
+                                        </p:tav>
+                                        <p:tav tm="100000">
+                                          <p:val>
+                                            <p:strVal val="#ppt_y"/>
+                                          </p:val>
+                                        </p:tav>
+                                      </p:tavLst>
+                                    </p:anim>
+                                  </p:childTnLst>
+                                </p:cTn>
+                              </p:par>
+                              <p:par>
+                                <p:cTn id="35" presetID="2" presetClass="entr" presetSubtype="4" fill="hold" nodeType="withEffect">
+                                  <p:stCondLst>
+                                    <p:cond delay="0"/>
+                                  </p:stCondLst>
+                                  <p:childTnLst>
+                                    <p:set>
+                                      <p:cBhvr>
+                                        <p:cTn id="36" dur="1" fill="hold">
+                                          <p:stCondLst>
+                                            <p:cond delay="0"/>
+                                          </p:stCondLst>
+                                        </p:cTn>
+                                        <p:tgtEl>
+                                          <p:spTgt spid="7"/>
+                                        </p:tgtEl>
+                                        <p:attrNameLst>
+                                          <p:attrName>style.visibility</p:attrName>
+                                        </p:attrNameLst>
+                                      </p:cBhvr>
+                                      <p:to>
+                                        <p:strVal val="visible"/>
+                                      </p:to>
+                                    </p:set>
+                                    <p:anim calcmode="lin" valueType="num">
+                                      <p:cBhvr additive="base">
+                                        <p:cTn id="37" dur="500" fill="hold"/>
+                                        <p:tgtEl>
+                                          <p:spTgt spid="7"/>
+                                        </p:tgtEl>
+                                        <p:attrNameLst>
+                                          <p:attrName>ppt_x</p:attrName>
+                                        </p:attrNameLst>
+                                      </p:cBhvr>
+                                      <p:tavLst>
+                                        <p:tav tm="0">
+                                          <p:val>
+                                            <p:strVal val="#ppt_x"/>
+                                          </p:val>
+                                        </p:tav>
+                                        <p:tav tm="100000">
+                                          <p:val>
+                                            <p:strVal val="#ppt_x"/>
+                                          </p:val>
+                                        </p:tav>
+                                      </p:tavLst>
+                                    </p:anim>
+                                    <p:anim calcmode="lin" valueType="num">
+                                      <p:cBhvr additive="base">
+                                        <p:cTn id="38" dur="500" fill="hold"/>
+                                        <p:tgtEl>
+                                          <p:spTgt spid="7"/>
+                                        </p:tgtEl>
+                                        <p:attrNameLst>
+                                          <p:attrName>ppt_y</p:attrName>
+                                        </p:attrNameLst>
+                                      </p:cBhvr>
+                                      <p:tavLst>
+                                        <p:tav tm="0">
+                                          <p:val>
+                                            <p:strVal val="1+#ppt_h/2"/>
+                                          </p:val>
+                                        </p:tav>
+                                        <p:tav tm="100000">
+                                          <p:val>
+                                            <p:strVal val="#ppt_y"/>
+                                          </p:val>
+                                        </p:tav>
+                                      </p:tavLst>
+                                    </p:anim>
+                                  </p:childTnLst>
+                                </p:cTn>
+                              </p:par>
+                            </p:childTnLst>
+                          </p:cTn>
+                        </p:par>
+                      </p:childTnLst>
+                    </p:cTn>
+                  </p:par>
+                  <p:par>
+                    <p:cTn id="39" fill="hold">
+                      <p:stCondLst>
+                        <p:cond delay="indefinite"/>
+                      </p:stCondLst>
+                      <p:childTnLst>
+                        <p:par>
+                          <p:cTn id="40" fill="hold">
+                            <p:stCondLst>
+                              <p:cond delay="0"/>
+                            </p:stCondLst>
+                            <p:childTnLst>
+                              <p:par>
+                                <p:cTn id="41" presetID="2" presetClass="entr" presetSubtype="4" fill="hold" nodeType="clickEffect">
+                                  <p:stCondLst>
+                                    <p:cond delay="0"/>
+                                  </p:stCondLst>
+                                  <p:childTnLst>
+                                    <p:set>
+                                      <p:cBhvr>
+                                        <p:cTn id="42" dur="1" fill="hold">
+                                          <p:stCondLst>
+                                            <p:cond delay="0"/>
+                                          </p:stCondLst>
+                                        </p:cTn>
+                                        <p:tgtEl>
+                                          <p:spTgt spid="19"/>
+                                        </p:tgtEl>
+                                        <p:attrNameLst>
+                                          <p:attrName>style.visibility</p:attrName>
+                                        </p:attrNameLst>
+                                      </p:cBhvr>
+                                      <p:to>
+                                        <p:strVal val="visible"/>
+                                      </p:to>
+                                    </p:set>
+                                    <p:anim calcmode="lin" valueType="num">
+                                      <p:cBhvr additive="base">
+                                        <p:cTn id="43" dur="500" fill="hold"/>
+                                        <p:tgtEl>
+                                          <p:spTgt spid="19"/>
+                                        </p:tgtEl>
+                                        <p:attrNameLst>
+                                          <p:attrName>ppt_x</p:attrName>
+                                        </p:attrNameLst>
+                                      </p:cBhvr>
+                                      <p:tavLst>
+                                        <p:tav tm="0">
+                                          <p:val>
+                                            <p:strVal val="#ppt_x"/>
+                                          </p:val>
+                                        </p:tav>
+                                        <p:tav tm="100000">
+                                          <p:val>
+                                            <p:strVal val="#ppt_x"/>
+                                          </p:val>
+                                        </p:tav>
+                                      </p:tavLst>
+                                    </p:anim>
+                                    <p:anim calcmode="lin" valueType="num">
+                                      <p:cBhvr additive="base">
+                                        <p:cTn id="44" dur="500" fill="hold"/>
+                                        <p:tgtEl>
+                                          <p:spTgt spid="19"/>
+                                        </p:tgtEl>
+                                        <p:attrNameLst>
+                                          <p:attrName>ppt_y</p:attrName>
+                                        </p:attrNameLst>
+                                      </p:cBhvr>
+                                      <p:tavLst>
+                                        <p:tav tm="0">
+                                          <p:val>
+                                            <p:strVal val="1+#ppt_h/2"/>
+                                          </p:val>
+                                        </p:tav>
+                                        <p:tav tm="100000">
+                                          <p:val>
+                                            <p:strVal val="#ppt_y"/>
+                                          </p:val>
+                                        </p:tav>
+                                      </p:tavLst>
+                                    </p:anim>
+                                  </p:childTnLst>
+                                </p:cTn>
+                              </p:par>
+                              <p:par>
+                                <p:cTn id="45" presetID="2" presetClass="entr" presetSubtype="4" fill="hold" nodeType="withEffect">
+                                  <p:stCondLst>
+                                    <p:cond delay="0"/>
+                                  </p:stCondLst>
+                                  <p:childTnLst>
+                                    <p:set>
+                                      <p:cBhvr>
+                                        <p:cTn id="46" dur="1" fill="hold">
+                                          <p:stCondLst>
+                                            <p:cond delay="0"/>
+                                          </p:stCondLst>
+                                        </p:cTn>
+                                        <p:tgtEl>
+                                          <p:spTgt spid="8"/>
+                                        </p:tgtEl>
+                                        <p:attrNameLst>
+                                          <p:attrName>style.visibility</p:attrName>
+                                        </p:attrNameLst>
+                                      </p:cBhvr>
+                                      <p:to>
+                                        <p:strVal val="visible"/>
+                                      </p:to>
+                                    </p:set>
+                                    <p:anim calcmode="lin" valueType="num">
+                                      <p:cBhvr additive="base">
+                                        <p:cTn id="47" dur="500" fill="hold"/>
+                                        <p:tgtEl>
+                                          <p:spTgt spid="8"/>
+                                        </p:tgtEl>
+                                        <p:attrNameLst>
+                                          <p:attrName>ppt_x</p:attrName>
+                                        </p:attrNameLst>
+                                      </p:cBhvr>
+                                      <p:tavLst>
+                                        <p:tav tm="0">
+                                          <p:val>
+                                            <p:strVal val="#ppt_x"/>
+                                          </p:val>
+                                        </p:tav>
+                                        <p:tav tm="100000">
+                                          <p:val>
+                                            <p:strVal val="#ppt_x"/>
+                                          </p:val>
+                                        </p:tav>
+                                      </p:tavLst>
+                                    </p:anim>
+                                    <p:anim calcmode="lin" valueType="num">
+                                      <p:cBhvr additive="base">
+                                        <p:cTn id="48" dur="500" fill="hold"/>
+                                        <p:tgtEl>
+                                          <p:spTgt spid="8"/>
+                                        </p:tgtEl>
+                                        <p:attrNameLst>
+                                          <p:attrName>ppt_y</p:attrName>
+                                        </p:attrNameLst>
+                                      </p:cBhvr>
+                                      <p:tavLst>
+                                        <p:tav tm="0">
+                                          <p:val>
+                                            <p:strVal val="1+#ppt_h/2"/>
+                                          </p:val>
+                                        </p:tav>
+                                        <p:tav tm="100000">
+                                          <p:val>
+                                            <p:strVal val="#ppt_y"/>
+                                          </p:val>
+                                        </p:tav>
+                                      </p:tavLst>
+                                    </p:anim>
+                                  </p:childTnLst>
+                                </p:cTn>
+                              </p:par>
+                            </p:childTnLst>
+                          </p:cTn>
+                        </p:par>
+                      </p:childTnLst>
+                    </p:cTn>
+                  </p:par>
+                  <p:par>
+                    <p:cTn id="49" fill="hold">
+                      <p:stCondLst>
+                        <p:cond delay="indefinite"/>
+                      </p:stCondLst>
+                      <p:childTnLst>
+                        <p:par>
+                          <p:cTn id="50" fill="hold">
+                            <p:stCondLst>
+                              <p:cond delay="0"/>
+                            </p:stCondLst>
+                            <p:childTnLst>
+                              <p:par>
+                                <p:cTn id="51" presetID="2" presetClass="entr" presetSubtype="4" fill="hold" nodeType="clickEffect">
+                                  <p:stCondLst>
+                                    <p:cond delay="0"/>
+                                  </p:stCondLst>
+                                  <p:childTnLst>
+                                    <p:set>
+                                      <p:cBhvr>
+                                        <p:cTn id="52" dur="1" fill="hold">
+                                          <p:stCondLst>
+                                            <p:cond delay="0"/>
+                                          </p:stCondLst>
+                                        </p:cTn>
+                                        <p:tgtEl>
+                                          <p:spTgt spid="21"/>
+                                        </p:tgtEl>
+                                        <p:attrNameLst>
+                                          <p:attrName>style.visibility</p:attrName>
+                                        </p:attrNameLst>
+                                      </p:cBhvr>
+                                      <p:to>
+                                        <p:strVal val="visible"/>
+                                      </p:to>
+                                    </p:set>
+                                    <p:anim calcmode="lin" valueType="num">
+                                      <p:cBhvr additive="base">
+                                        <p:cTn id="53" dur="500" fill="hold"/>
+                                        <p:tgtEl>
+                                          <p:spTgt spid="21"/>
+                                        </p:tgtEl>
+                                        <p:attrNameLst>
+                                          <p:attrName>ppt_x</p:attrName>
+                                        </p:attrNameLst>
+                                      </p:cBhvr>
+                                      <p:tavLst>
+                                        <p:tav tm="0">
+                                          <p:val>
+                                            <p:strVal val="#ppt_x"/>
+                                          </p:val>
+                                        </p:tav>
+                                        <p:tav tm="100000">
+                                          <p:val>
+                                            <p:strVal val="#ppt_x"/>
+                                          </p:val>
+                                        </p:tav>
+                                      </p:tavLst>
+                                    </p:anim>
+                                    <p:anim calcmode="lin" valueType="num">
+                                      <p:cBhvr additive="base">
+                                        <p:cTn id="54" dur="500" fill="hold"/>
+                                        <p:tgtEl>
+                                          <p:spTgt spid="21"/>
+                                        </p:tgtEl>
+                                        <p:attrNameLst>
+                                          <p:attrName>ppt_y</p:attrName>
+                                        </p:attrNameLst>
+                                      </p:cBhvr>
+                                      <p:tavLst>
+                                        <p:tav tm="0">
+                                          <p:val>
+                                            <p:strVal val="1+#ppt_h/2"/>
+                                          </p:val>
+                                        </p:tav>
+                                        <p:tav tm="100000">
+                                          <p:val>
+                                            <p:strVal val="#ppt_y"/>
+                                          </p:val>
+                                        </p:tav>
+                                      </p:tavLst>
+                                    </p:anim>
+                                  </p:childTnLst>
+                                </p:cTn>
+                              </p:par>
+                              <p:par>
+                                <p:cTn id="55" presetID="2" presetClass="entr" presetSubtype="4" fill="hold" nodeType="withEffect">
+                                  <p:stCondLst>
+                                    <p:cond delay="0"/>
+                                  </p:stCondLst>
+                                  <p:childTnLst>
+                                    <p:set>
+                                      <p:cBhvr>
+                                        <p:cTn id="56" dur="1" fill="hold">
+                                          <p:stCondLst>
+                                            <p:cond delay="0"/>
+                                          </p:stCondLst>
+                                        </p:cTn>
+                                        <p:tgtEl>
+                                          <p:spTgt spid="9"/>
+                                        </p:tgtEl>
+                                        <p:attrNameLst>
+                                          <p:attrName>style.visibility</p:attrName>
+                                        </p:attrNameLst>
+                                      </p:cBhvr>
+                                      <p:to>
+                                        <p:strVal val="visible"/>
+                                      </p:to>
+                                    </p:set>
+                                    <p:anim calcmode="lin" valueType="num">
+                                      <p:cBhvr additive="base">
+                                        <p:cTn id="57" dur="500" fill="hold"/>
+                                        <p:tgtEl>
+                                          <p:spTgt spid="9"/>
+                                        </p:tgtEl>
+                                        <p:attrNameLst>
+                                          <p:attrName>ppt_x</p:attrName>
+                                        </p:attrNameLst>
+                                      </p:cBhvr>
+                                      <p:tavLst>
+                                        <p:tav tm="0">
+                                          <p:val>
+                                            <p:strVal val="#ppt_x"/>
+                                          </p:val>
+                                        </p:tav>
+                                        <p:tav tm="100000">
+                                          <p:val>
+                                            <p:strVal val="#ppt_x"/>
+                                          </p:val>
+                                        </p:tav>
+                                      </p:tavLst>
+                                    </p:anim>
+                                    <p:anim calcmode="lin" valueType="num">
+                                      <p:cBhvr additive="base">
+                                        <p:cTn id="58" dur="500" fill="hold"/>
+                                        <p:tgtEl>
+                                          <p:spTgt spid="9"/>
+                                        </p:tgtEl>
+                                        <p:attrNameLst>
+                                          <p:attrName>ppt_y</p:attrName>
+                                        </p:attrNameLst>
+                                      </p:cBhvr>
+                                      <p:tavLst>
+                                        <p:tav tm="0">
+                                          <p:val>
+                                            <p:strVal val="1+#ppt_h/2"/>
+                                          </p:val>
+                                        </p:tav>
+                                        <p:tav tm="100000">
+                                          <p:val>
+                                            <p:strVal val="#ppt_y"/>
+                                          </p:val>
+                                        </p:tav>
+                                      </p:tavLst>
+                                    </p:anim>
+                                  </p:childTnLst>
+                                </p:cTn>
+                              </p:par>
+                            </p:childTnLst>
+                          </p:cTn>
+                        </p:par>
+                      </p:childTnLst>
+                    </p:cTn>
+                  </p:par>
+                  <p:par>
+                    <p:cTn id="59" fill="hold">
+                      <p:stCondLst>
+                        <p:cond delay="indefinite"/>
+                      </p:stCondLst>
+                      <p:childTnLst>
+                        <p:par>
+                          <p:cTn id="60" fill="hold">
+                            <p:stCondLst>
+                              <p:cond delay="0"/>
+                            </p:stCondLst>
+                            <p:childTnLst>
+                              <p:par>
+                                <p:cTn id="61" presetID="2" presetClass="entr" presetSubtype="4" fill="hold" nodeType="clickEffect">
+                                  <p:stCondLst>
+                                    <p:cond delay="0"/>
+                                  </p:stCondLst>
+                                  <p:childTnLst>
+                                    <p:set>
+                                      <p:cBhvr>
+                                        <p:cTn id="62" dur="1" fill="hold">
+                                          <p:stCondLst>
+                                            <p:cond delay="0"/>
+                                          </p:stCondLst>
+                                        </p:cTn>
+                                        <p:tgtEl>
+                                          <p:spTgt spid="20"/>
+                                        </p:tgtEl>
+                                        <p:attrNameLst>
+                                          <p:attrName>style.visibility</p:attrName>
+                                        </p:attrNameLst>
+                                      </p:cBhvr>
+                                      <p:to>
+                                        <p:strVal val="visible"/>
+                                      </p:to>
+                                    </p:set>
+                                    <p:anim calcmode="lin" valueType="num">
+                                      <p:cBhvr additive="base">
+                                        <p:cTn id="63" dur="500" fill="hold"/>
+                                        <p:tgtEl>
+                                          <p:spTgt spid="20"/>
+                                        </p:tgtEl>
+                                        <p:attrNameLst>
+                                          <p:attrName>ppt_x</p:attrName>
+                                        </p:attrNameLst>
+                                      </p:cBhvr>
+                                      <p:tavLst>
+                                        <p:tav tm="0">
+                                          <p:val>
+                                            <p:strVal val="#ppt_x"/>
+                                          </p:val>
+                                        </p:tav>
+                                        <p:tav tm="100000">
+                                          <p:val>
+                                            <p:strVal val="#ppt_x"/>
+                                          </p:val>
+                                        </p:tav>
+                                      </p:tavLst>
+                                    </p:anim>
+                                    <p:anim calcmode="lin" valueType="num">
+                                      <p:cBhvr additive="base">
+                                        <p:cTn id="64" dur="500" fill="hold"/>
+                                        <p:tgtEl>
+                                          <p:spTgt spid="20"/>
+                                        </p:tgtEl>
+                                        <p:attrNameLst>
+                                          <p:attrName>ppt_y</p:attrName>
+                                        </p:attrNameLst>
+                                      </p:cBhvr>
+                                      <p:tavLst>
+                                        <p:tav tm="0">
+                                          <p:val>
+                                            <p:strVal val="1+#ppt_h/2"/>
+                                          </p:val>
+                                        </p:tav>
+                                        <p:tav tm="100000">
+                                          <p:val>
+                                            <p:strVal val="#ppt_y"/>
+                                          </p:val>
+                                        </p:tav>
+                                      </p:tavLst>
+                                    </p:anim>
+                                  </p:childTnLst>
+                                </p:cTn>
+                              </p:par>
+                              <p:par>
+                                <p:cTn id="65" presetID="2" presetClass="entr" presetSubtype="4" fill="hold" nodeType="withEffect">
+                                  <p:stCondLst>
+                                    <p:cond delay="0"/>
+                                  </p:stCondLst>
+                                  <p:childTnLst>
+                                    <p:set>
+                                      <p:cBhvr>
+                                        <p:cTn id="66" dur="1" fill="hold">
+                                          <p:stCondLst>
+                                            <p:cond delay="0"/>
+                                          </p:stCondLst>
+                                        </p:cTn>
+                                        <p:tgtEl>
+                                          <p:spTgt spid="10"/>
+                                        </p:tgtEl>
+                                        <p:attrNameLst>
+                                          <p:attrName>style.visibility</p:attrName>
+                                        </p:attrNameLst>
+                                      </p:cBhvr>
+                                      <p:to>
+                                        <p:strVal val="visible"/>
+                                      </p:to>
+                                    </p:set>
+                                    <p:anim calcmode="lin" valueType="num">
+                                      <p:cBhvr additive="base">
+                                        <p:cTn id="67" dur="500" fill="hold"/>
+                                        <p:tgtEl>
+                                          <p:spTgt spid="10"/>
+                                        </p:tgtEl>
+                                        <p:attrNameLst>
+                                          <p:attrName>ppt_x</p:attrName>
+                                        </p:attrNameLst>
+                                      </p:cBhvr>
+                                      <p:tavLst>
+                                        <p:tav tm="0">
+                                          <p:val>
+                                            <p:strVal val="#ppt_x"/>
+                                          </p:val>
+                                        </p:tav>
+                                        <p:tav tm="100000">
+                                          <p:val>
+                                            <p:strVal val="#ppt_x"/>
+                                          </p:val>
+                                        </p:tav>
+                                      </p:tavLst>
+                                    </p:anim>
+                                    <p:anim calcmode="lin" valueType="num">
+                                      <p:cBhvr additive="base">
+                                        <p:cTn id="68" dur="500" fill="hold"/>
+                                        <p:tgtEl>
+                                          <p:spTgt spid="10"/>
+                                        </p:tgtEl>
+                                        <p:attrNameLst>
+                                          <p:attrName>ppt_y</p:attrName>
+                                        </p:attrNameLst>
+                                      </p:cBhvr>
+                                      <p:tavLst>
+                                        <p:tav tm="0">
+                                          <p:val>
+                                            <p:strVal val="1+#ppt_h/2"/>
+                                          </p:val>
+                                        </p:tav>
+                                        <p:tav tm="100000">
+                                          <p:val>
+                                            <p:strVal val="#ppt_y"/>
+                                          </p:val>
+                                        </p:tav>
+                                      </p:tavLst>
+                                    </p:anim>
+                                  </p:childTnLst>
+                                </p:cTn>
+                              </p:par>
+                            </p:childTnLst>
+                          </p:cTn>
+                        </p:par>
+                      </p:childTnLst>
+                    </p:cTn>
+                  </p:par>
+                  <p:par>
+                    <p:cTn id="69" fill="hold">
+                      <p:stCondLst>
+                        <p:cond delay="indefinite"/>
+                      </p:stCondLst>
+                      <p:childTnLst>
+                        <p:par>
+                          <p:cTn id="70" fill="hold">
+                            <p:stCondLst>
+                              <p:cond delay="0"/>
+                            </p:stCondLst>
+                            <p:childTnLst>
+                              <p:par>
+                                <p:cTn id="71" presetID="2" presetClass="entr" presetSubtype="4" fill="hold" nodeType="clickEffect">
+                                  <p:stCondLst>
+                                    <p:cond delay="0"/>
+                                  </p:stCondLst>
+                                  <p:childTnLst>
+                                    <p:set>
+                                      <p:cBhvr>
+                                        <p:cTn id="72" dur="1" fill="hold">
+                                          <p:stCondLst>
+                                            <p:cond delay="0"/>
+                                          </p:stCondLst>
+                                        </p:cTn>
+                                        <p:tgtEl>
+                                          <p:spTgt spid="22"/>
+                                        </p:tgtEl>
+                                        <p:attrNameLst>
+                                          <p:attrName>style.visibility</p:attrName>
+                                        </p:attrNameLst>
+                                      </p:cBhvr>
+                                      <p:to>
+                                        <p:strVal val="visible"/>
+                                      </p:to>
+                                    </p:set>
+                                    <p:anim calcmode="lin" valueType="num">
+                                      <p:cBhvr additive="base">
+                                        <p:cTn id="73" dur="500" fill="hold"/>
+                                        <p:tgtEl>
+                                          <p:spTgt spid="22"/>
+                                        </p:tgtEl>
+                                        <p:attrNameLst>
+                                          <p:attrName>ppt_x</p:attrName>
+                                        </p:attrNameLst>
+                                      </p:cBhvr>
+                                      <p:tavLst>
+                                        <p:tav tm="0">
+                                          <p:val>
+                                            <p:strVal val="#ppt_x"/>
+                                          </p:val>
+                                        </p:tav>
+                                        <p:tav tm="100000">
+                                          <p:val>
+                                            <p:strVal val="#ppt_x"/>
+                                          </p:val>
+                                        </p:tav>
+                                      </p:tavLst>
+                                    </p:anim>
+                                    <p:anim calcmode="lin" valueType="num">
+                                      <p:cBhvr additive="base">
+                                        <p:cTn id="74" dur="500" fill="hold"/>
+                                        <p:tgtEl>
+                                          <p:spTgt spid="22"/>
+                                        </p:tgtEl>
+                                        <p:attrNameLst>
+                                          <p:attrName>ppt_y</p:attrName>
+                                        </p:attrNameLst>
+                                      </p:cBhvr>
+                                      <p:tavLst>
+                                        <p:tav tm="0">
+                                          <p:val>
+                                            <p:strVal val="1+#ppt_h/2"/>
+                                          </p:val>
+                                        </p:tav>
+                                        <p:tav tm="100000">
+                                          <p:val>
+                                            <p:strVal val="#ppt_y"/>
+                                          </p:val>
+                                        </p:tav>
+                                      </p:tavLst>
+                                    </p:anim>
+                                  </p:childTnLst>
+                                </p:cTn>
+                              </p:par>
+                              <p:par>
+                                <p:cTn id="75" presetID="2" presetClass="entr" presetSubtype="4" fill="hold" nodeType="withEffect">
+                                  <p:stCondLst>
+                                    <p:cond delay="0"/>
+                                  </p:stCondLst>
+                                  <p:childTnLst>
+                                    <p:set>
+                                      <p:cBhvr>
+                                        <p:cTn id="76" dur="1" fill="hold">
+                                          <p:stCondLst>
+                                            <p:cond delay="0"/>
+                                          </p:stCondLst>
+                                        </p:cTn>
+                                        <p:tgtEl>
+                                          <p:spTgt spid="11"/>
+                                        </p:tgtEl>
+                                        <p:attrNameLst>
+                                          <p:attrName>style.visibility</p:attrName>
+                                        </p:attrNameLst>
+                                      </p:cBhvr>
+                                      <p:to>
+                                        <p:strVal val="visible"/>
+                                      </p:to>
+                                    </p:set>
+                                    <p:anim calcmode="lin" valueType="num">
+                                      <p:cBhvr additive="base">
+                                        <p:cTn id="77" dur="500" fill="hold"/>
+                                        <p:tgtEl>
+                                          <p:spTgt spid="11"/>
+                                        </p:tgtEl>
+                                        <p:attrNameLst>
+                                          <p:attrName>ppt_x</p:attrName>
+                                        </p:attrNameLst>
+                                      </p:cBhvr>
+                                      <p:tavLst>
+                                        <p:tav tm="0">
+                                          <p:val>
+                                            <p:strVal val="#ppt_x"/>
+                                          </p:val>
+                                        </p:tav>
+                                        <p:tav tm="100000">
+                                          <p:val>
+                                            <p:strVal val="#ppt_x"/>
+                                          </p:val>
+                                        </p:tav>
+                                      </p:tavLst>
+                                    </p:anim>
+                                    <p:anim calcmode="lin" valueType="num">
+                                      <p:cBhvr additive="base">
+                                        <p:cTn id="78" dur="500" fill="hold"/>
+                                        <p:tgtEl>
+                                          <p:spTgt spid="11"/>
+                                        </p:tgtEl>
+                                        <p:attrNameLst>
+                                          <p:attrName>ppt_y</p:attrName>
+                                        </p:attrNameLst>
+                                      </p:cBhvr>
+                                      <p:tavLst>
+                                        <p:tav tm="0">
+                                          <p:val>
+                                            <p:strVal val="1+#ppt_h/2"/>
+                                          </p:val>
+                                        </p:tav>
+                                        <p:tav tm="100000">
+                                          <p:val>
+                                            <p:strVal val="#ppt_y"/>
+                                          </p:val>
+                                        </p:tav>
+                                      </p:tavLst>
+                                    </p:anim>
+                                  </p:childTnLst>
+                                </p:cTn>
+                              </p:par>
+                            </p:childTnLst>
+                          </p:cTn>
+                        </p:par>
+                      </p:childTnLst>
+                    </p:cTn>
+                  </p:par>
+                  <p:par>
+                    <p:cTn id="79" fill="hold">
+                      <p:stCondLst>
+                        <p:cond delay="indefinite"/>
+                      </p:stCondLst>
+                      <p:childTnLst>
+                        <p:par>
+                          <p:cTn id="80" fill="hold">
+                            <p:stCondLst>
+                              <p:cond delay="0"/>
+                            </p:stCondLst>
+                            <p:childTnLst>
+                              <p:par>
+                                <p:cTn id="81" presetID="2" presetClass="entr" presetSubtype="4" fill="hold" nodeType="clickEffect">
+                                  <p:stCondLst>
+                                    <p:cond delay="0"/>
+                                  </p:stCondLst>
+                                  <p:childTnLst>
+                                    <p:set>
+                                      <p:cBhvr>
+                                        <p:cTn id="82" dur="1" fill="hold">
+                                          <p:stCondLst>
+                                            <p:cond delay="0"/>
+                                          </p:stCondLst>
+                                        </p:cTn>
+                                        <p:tgtEl>
+                                          <p:spTgt spid="25"/>
+                                        </p:tgtEl>
+                                        <p:attrNameLst>
+                                          <p:attrName>style.visibility</p:attrName>
+                                        </p:attrNameLst>
+                                      </p:cBhvr>
+                                      <p:to>
+                                        <p:strVal val="visible"/>
+                                      </p:to>
+                                    </p:set>
+                                    <p:anim calcmode="lin" valueType="num">
+                                      <p:cBhvr additive="base">
+                                        <p:cTn id="83" dur="500" fill="hold"/>
+                                        <p:tgtEl>
+                                          <p:spTgt spid="25"/>
+                                        </p:tgtEl>
+                                        <p:attrNameLst>
+                                          <p:attrName>ppt_x</p:attrName>
+                                        </p:attrNameLst>
+                                      </p:cBhvr>
+                                      <p:tavLst>
+                                        <p:tav tm="0">
+                                          <p:val>
+                                            <p:strVal val="#ppt_x"/>
+                                          </p:val>
+                                        </p:tav>
+                                        <p:tav tm="100000">
+                                          <p:val>
+                                            <p:strVal val="#ppt_x"/>
+                                          </p:val>
+                                        </p:tav>
+                                      </p:tavLst>
+                                    </p:anim>
+                                    <p:anim calcmode="lin" valueType="num">
+                                      <p:cBhvr additive="base">
+                                        <p:cTn id="84" dur="500" fill="hold"/>
+                                        <p:tgtEl>
+                                          <p:spTgt spid="25"/>
+                                        </p:tgtEl>
+                                        <p:attrNameLst>
+                                          <p:attrName>ppt_y</p:attrName>
+                                        </p:attrNameLst>
+                                      </p:cBhvr>
+                                      <p:tavLst>
+                                        <p:tav tm="0">
+                                          <p:val>
+                                            <p:strVal val="1+#ppt_h/2"/>
+                                          </p:val>
+                                        </p:tav>
+                                        <p:tav tm="100000">
+                                          <p:val>
+                                            <p:strVal val="#ppt_y"/>
+                                          </p:val>
+                                        </p:tav>
+                                      </p:tavLst>
+                                    </p:anim>
+                                  </p:childTnLst>
+                                </p:cTn>
+                              </p:par>
+                              <p:par>
+                                <p:cTn id="85" presetID="2" presetClass="entr" presetSubtype="4" fill="hold" nodeType="withEffect">
+                                  <p:stCondLst>
+                                    <p:cond delay="0"/>
+                                  </p:stCondLst>
+                                  <p:childTnLst>
+                                    <p:set>
+                                      <p:cBhvr>
+                                        <p:cTn id="86" dur="1" fill="hold">
+                                          <p:stCondLst>
+                                            <p:cond delay="0"/>
+                                          </p:stCondLst>
+                                        </p:cTn>
+                                        <p:tgtEl>
+                                          <p:spTgt spid="12"/>
+                                        </p:tgtEl>
+                                        <p:attrNameLst>
+                                          <p:attrName>style.visibility</p:attrName>
+                                        </p:attrNameLst>
+                                      </p:cBhvr>
+                                      <p:to>
+                                        <p:strVal val="visible"/>
+                                      </p:to>
+                                    </p:set>
+                                    <p:anim calcmode="lin" valueType="num">
+                                      <p:cBhvr additive="base">
+                                        <p:cTn id="87" dur="500" fill="hold"/>
+                                        <p:tgtEl>
+                                          <p:spTgt spid="12"/>
+                                        </p:tgtEl>
+                                        <p:attrNameLst>
+                                          <p:attrName>ppt_x</p:attrName>
+                                        </p:attrNameLst>
+                                      </p:cBhvr>
+                                      <p:tavLst>
+                                        <p:tav tm="0">
+                                          <p:val>
+                                            <p:strVal val="#ppt_x"/>
+                                          </p:val>
+                                        </p:tav>
+                                        <p:tav tm="100000">
+                                          <p:val>
+                                            <p:strVal val="#ppt_x"/>
+                                          </p:val>
+                                        </p:tav>
+                                      </p:tavLst>
+                                    </p:anim>
+                                    <p:anim calcmode="lin" valueType="num">
+                                      <p:cBhvr additive="base">
+                                        <p:cTn id="88" dur="500" fill="hold"/>
+                                        <p:tgtEl>
+                                          <p:spTgt spid="12"/>
+                                        </p:tgtEl>
+                                        <p:attrNameLst>
+                                          <p:attrName>ppt_y</p:attrName>
+                                        </p:attrNameLst>
+                                      </p:cBhvr>
+                                      <p:tavLst>
+                                        <p:tav tm="0">
+                                          <p:val>
+                                            <p:strVal val="1+#ppt_h/2"/>
+                                          </p:val>
+                                        </p:tav>
+                                        <p:tav tm="100000">
+                                          <p:val>
+                                            <p:strVal val="#ppt_y"/>
+                                          </p:val>
+                                        </p:tav>
+                                      </p:tavLst>
+                                    </p:anim>
+                                  </p:childTnLst>
+                                </p:cTn>
+                              </p:par>
+                            </p:childTnLst>
+                          </p:cTn>
+                        </p:par>
+                      </p:childTnLst>
+                    </p:cTn>
+                  </p:par>
+                  <p:par>
+                    <p:cTn id="89" fill="hold">
+                      <p:stCondLst>
+                        <p:cond delay="indefinite"/>
+                      </p:stCondLst>
+                      <p:childTnLst>
+                        <p:par>
+                          <p:cTn id="90" fill="hold">
+                            <p:stCondLst>
+                              <p:cond delay="0"/>
+                            </p:stCondLst>
+                            <p:childTnLst>
+                              <p:par>
+                                <p:cTn id="91" presetID="2" presetClass="entr" presetSubtype="4" fill="hold" nodeType="clickEffect">
+                                  <p:stCondLst>
+                                    <p:cond delay="0"/>
+                                  </p:stCondLst>
+                                  <p:childTnLst>
+                                    <p:set>
+                                      <p:cBhvr>
+                                        <p:cTn id="92" dur="1" fill="hold">
+                                          <p:stCondLst>
+                                            <p:cond delay="0"/>
+                                          </p:stCondLst>
+                                        </p:cTn>
+                                        <p:tgtEl>
+                                          <p:spTgt spid="28"/>
+                                        </p:tgtEl>
+                                        <p:attrNameLst>
+                                          <p:attrName>style.visibility</p:attrName>
+                                        </p:attrNameLst>
+                                      </p:cBhvr>
+                                      <p:to>
+                                        <p:strVal val="visible"/>
+                                      </p:to>
+                                    </p:set>
+                                    <p:anim calcmode="lin" valueType="num">
+                                      <p:cBhvr additive="base">
+                                        <p:cTn id="93" dur="500" fill="hold"/>
+                                        <p:tgtEl>
+                                          <p:spTgt spid="28"/>
+                                        </p:tgtEl>
+                                        <p:attrNameLst>
+                                          <p:attrName>ppt_x</p:attrName>
+                                        </p:attrNameLst>
+                                      </p:cBhvr>
+                                      <p:tavLst>
+                                        <p:tav tm="0">
+                                          <p:val>
+                                            <p:strVal val="#ppt_x"/>
+                                          </p:val>
+                                        </p:tav>
+                                        <p:tav tm="100000">
+                                          <p:val>
+                                            <p:strVal val="#ppt_x"/>
+                                          </p:val>
+                                        </p:tav>
+                                      </p:tavLst>
+                                    </p:anim>
+                                    <p:anim calcmode="lin" valueType="num">
+                                      <p:cBhvr additive="base">
+                                        <p:cTn id="94" dur="500" fill="hold"/>
+                                        <p:tgtEl>
+                                          <p:spTgt spid="28"/>
+                                        </p:tgtEl>
+                                        <p:attrNameLst>
+                                          <p:attrName>ppt_y</p:attrName>
+                                        </p:attrNameLst>
+                                      </p:cBhvr>
+                                      <p:tavLst>
+                                        <p:tav tm="0">
+                                          <p:val>
+                                            <p:strVal val="1+#ppt_h/2"/>
+                                          </p:val>
+                                        </p:tav>
+                                        <p:tav tm="100000">
+                                          <p:val>
+                                            <p:strVal val="#ppt_y"/>
+                                          </p:val>
+                                        </p:tav>
+                                      </p:tavLst>
+                                    </p:anim>
+                                  </p:childTnLst>
+                                </p:cTn>
+                              </p:par>
+                              <p:par>
+                                <p:cTn id="95" presetID="2" presetClass="entr" presetSubtype="4" fill="hold" nodeType="withEffect">
+                                  <p:stCondLst>
+                                    <p:cond delay="0"/>
+                                  </p:stCondLst>
+                                  <p:childTnLst>
+                                    <p:set>
+                                      <p:cBhvr>
+                                        <p:cTn id="96" dur="1" fill="hold">
+                                          <p:stCondLst>
+                                            <p:cond delay="0"/>
+                                          </p:stCondLst>
+                                        </p:cTn>
+                                        <p:tgtEl>
+                                          <p:spTgt spid="13"/>
+                                        </p:tgtEl>
+                                        <p:attrNameLst>
+                                          <p:attrName>style.visibility</p:attrName>
+                                        </p:attrNameLst>
+                                      </p:cBhvr>
+                                      <p:to>
+                                        <p:strVal val="visible"/>
+                                      </p:to>
+                                    </p:set>
+                                    <p:anim calcmode="lin" valueType="num">
+                                      <p:cBhvr additive="base">
+                                        <p:cTn id="97" dur="500" fill="hold"/>
+                                        <p:tgtEl>
+                                          <p:spTgt spid="13"/>
+                                        </p:tgtEl>
+                                        <p:attrNameLst>
+                                          <p:attrName>ppt_x</p:attrName>
+                                        </p:attrNameLst>
+                                      </p:cBhvr>
+                                      <p:tavLst>
+                                        <p:tav tm="0">
+                                          <p:val>
+                                            <p:strVal val="#ppt_x"/>
+                                          </p:val>
+                                        </p:tav>
+                                        <p:tav tm="100000">
+                                          <p:val>
+                                            <p:strVal val="#ppt_x"/>
+                                          </p:val>
+                                        </p:tav>
+                                      </p:tavLst>
+                                    </p:anim>
+                                    <p:anim calcmode="lin" valueType="num">
+                                      <p:cBhvr additive="base">
+                                        <p:cTn id="98" dur="500" fill="hold"/>
+                                        <p:tgtEl>
+                                          <p:spTgt spid="13"/>
+                                        </p:tgtEl>
+                                        <p:attrNameLst>
+                                          <p:attrName>ppt_y</p:attrName>
+                                        </p:attrNameLst>
+                                      </p:cBhvr>
+                                      <p:tavLst>
+                                        <p:tav tm="0">
+                                          <p:val>
+                                            <p:strVal val="1+#ppt_h/2"/>
+                                          </p:val>
+                                        </p:tav>
+                                        <p:tav tm="100000">
+                                          <p:val>
+                                            <p:strVal val="#ppt_y"/>
+                                          </p:val>
+                                        </p:tav>
+                                      </p:tavLst>
+                                    </p:anim>
+                                  </p:childTnLst>
+                                </p:cTn>
+                              </p:par>
+                            </p:childTnLst>
+                          </p:cTn>
+                        </p:par>
+                      </p:childTnLst>
+                    </p:cTn>
+                  </p:par>
+                  <p:par>
+                    <p:cTn id="99" fill="hold">
+                      <p:stCondLst>
+                        <p:cond delay="indefinite"/>
+                      </p:stCondLst>
+                      <p:childTnLst>
+                        <p:par>
+                          <p:cTn id="100" fill="hold">
+                            <p:stCondLst>
+                              <p:cond delay="0"/>
+                            </p:stCondLst>
+                            <p:childTnLst>
+                              <p:par>
+                                <p:cTn id="101" presetID="2" presetClass="entr" presetSubtype="4" fill="hold" nodeType="clickEffect">
+                                  <p:stCondLst>
+                                    <p:cond delay="0"/>
+                                  </p:stCondLst>
+                                  <p:childTnLst>
+                                    <p:set>
+                                      <p:cBhvr>
+                                        <p:cTn id="102" dur="1" fill="hold">
+                                          <p:stCondLst>
+                                            <p:cond delay="0"/>
+                                          </p:stCondLst>
+                                        </p:cTn>
+                                        <p:tgtEl>
+                                          <p:spTgt spid="23"/>
+                                        </p:tgtEl>
+                                        <p:attrNameLst>
+                                          <p:attrName>style.visibility</p:attrName>
+                                        </p:attrNameLst>
+                                      </p:cBhvr>
+                                      <p:to>
+                                        <p:strVal val="visible"/>
+                                      </p:to>
+                                    </p:set>
+                                    <p:anim calcmode="lin" valueType="num">
+                                      <p:cBhvr additive="base">
+                                        <p:cTn id="103" dur="500" fill="hold"/>
+                                        <p:tgtEl>
+                                          <p:spTgt spid="23"/>
+                                        </p:tgtEl>
+                                        <p:attrNameLst>
+                                          <p:attrName>ppt_x</p:attrName>
+                                        </p:attrNameLst>
+                                      </p:cBhvr>
+                                      <p:tavLst>
+                                        <p:tav tm="0">
+                                          <p:val>
+                                            <p:strVal val="#ppt_x"/>
+                                          </p:val>
+                                        </p:tav>
+                                        <p:tav tm="100000">
+                                          <p:val>
+                                            <p:strVal val="#ppt_x"/>
+                                          </p:val>
+                                        </p:tav>
+                                      </p:tavLst>
+                                    </p:anim>
+                                    <p:anim calcmode="lin" valueType="num">
+                                      <p:cBhvr additive="base">
+                                        <p:cTn id="104" dur="500" fill="hold"/>
+                                        <p:tgtEl>
+                                          <p:spTgt spid="23"/>
+                                        </p:tgtEl>
+                                        <p:attrNameLst>
+                                          <p:attrName>ppt_y</p:attrName>
+                                        </p:attrNameLst>
+                                      </p:cBhvr>
+                                      <p:tavLst>
+                                        <p:tav tm="0">
+                                          <p:val>
+                                            <p:strVal val="1+#ppt_h/2"/>
+                                          </p:val>
+                                        </p:tav>
+                                        <p:tav tm="100000">
+                                          <p:val>
+                                            <p:strVal val="#ppt_y"/>
+                                          </p:val>
+                                        </p:tav>
+                                      </p:tavLst>
+                                    </p:anim>
+                                  </p:childTnLst>
+                                </p:cTn>
+                              </p:par>
+                              <p:par>
+                                <p:cTn id="105" presetID="2" presetClass="entr" presetSubtype="4" fill="hold" nodeType="withEffect">
+                                  <p:stCondLst>
+                                    <p:cond delay="0"/>
+                                  </p:stCondLst>
+                                  <p:childTnLst>
+                                    <p:set>
+                                      <p:cBhvr>
+                                        <p:cTn id="106" dur="1" fill="hold">
+                                          <p:stCondLst>
+                                            <p:cond delay="0"/>
+                                          </p:stCondLst>
+                                        </p:cTn>
+                                        <p:tgtEl>
+                                          <p:spTgt spid="14"/>
+                                        </p:tgtEl>
+                                        <p:attrNameLst>
+                                          <p:attrName>style.visibility</p:attrName>
+                                        </p:attrNameLst>
+                                      </p:cBhvr>
+                                      <p:to>
+                                        <p:strVal val="visible"/>
+                                      </p:to>
+                                    </p:set>
+                                    <p:anim calcmode="lin" valueType="num">
+                                      <p:cBhvr additive="base">
+                                        <p:cTn id="107" dur="500" fill="hold"/>
+                                        <p:tgtEl>
+                                          <p:spTgt spid="14"/>
+                                        </p:tgtEl>
+                                        <p:attrNameLst>
+                                          <p:attrName>ppt_x</p:attrName>
+                                        </p:attrNameLst>
+                                      </p:cBhvr>
+                                      <p:tavLst>
+                                        <p:tav tm="0">
+                                          <p:val>
+                                            <p:strVal val="#ppt_x"/>
+                                          </p:val>
+                                        </p:tav>
+                                        <p:tav tm="100000">
+                                          <p:val>
+                                            <p:strVal val="#ppt_x"/>
+                                          </p:val>
+                                        </p:tav>
+                                      </p:tavLst>
+                                    </p:anim>
+                                    <p:anim calcmode="lin" valueType="num">
+                                      <p:cBhvr additive="base">
+                                        <p:cTn id="108" dur="500" fill="hold"/>
+                                        <p:tgtEl>
+                                          <p:spTgt spid="14"/>
+                                        </p:tgtEl>
+                                        <p:attrNameLst>
+                                          <p:attrName>ppt_y</p:attrName>
+                                        </p:attrNameLst>
+                                      </p:cBhvr>
+                                      <p:tavLst>
+                                        <p:tav tm="0">
+                                          <p:val>
+                                            <p:strVal val="1+#ppt_h/2"/>
+                                          </p:val>
+                                        </p:tav>
+                                        <p:tav tm="100000">
+                                          <p:val>
+                                            <p:strVal val="#ppt_y"/>
+                                          </p:val>
+                                        </p:tav>
+                                      </p:tavLst>
+                                    </p:anim>
+                                  </p:childTnLst>
+                                </p:cTn>
+                              </p:par>
+                            </p:childTnLst>
+                          </p:cTn>
+                        </p:par>
+                      </p:childTnLst>
+                    </p:cTn>
+                  </p:par>
+                  <p:par>
+                    <p:cTn id="109" fill="hold">
+                      <p:stCondLst>
+                        <p:cond delay="indefinite"/>
+                      </p:stCondLst>
+                      <p:childTnLst>
+                        <p:par>
+                          <p:cTn id="110" fill="hold">
+                            <p:stCondLst>
+                              <p:cond delay="0"/>
+                            </p:stCondLst>
+                            <p:childTnLst>
+                              <p:par>
+                                <p:cTn id="111" presetID="2" presetClass="entr" presetSubtype="4" fill="hold" nodeType="clickEffect">
+                                  <p:stCondLst>
+                                    <p:cond delay="0"/>
+                                  </p:stCondLst>
+                                  <p:childTnLst>
+                                    <p:set>
+                                      <p:cBhvr>
+                                        <p:cTn id="112" dur="1" fill="hold">
+                                          <p:stCondLst>
+                                            <p:cond delay="0"/>
+                                          </p:stCondLst>
+                                        </p:cTn>
+                                        <p:tgtEl>
+                                          <p:spTgt spid="24"/>
+                                        </p:tgtEl>
+                                        <p:attrNameLst>
+                                          <p:attrName>style.visibility</p:attrName>
+                                        </p:attrNameLst>
+                                      </p:cBhvr>
+                                      <p:to>
+                                        <p:strVal val="visible"/>
+                                      </p:to>
+                                    </p:set>
+                                    <p:anim calcmode="lin" valueType="num">
+                                      <p:cBhvr additive="base">
+                                        <p:cTn id="113" dur="500" fill="hold"/>
+                                        <p:tgtEl>
+                                          <p:spTgt spid="24"/>
+                                        </p:tgtEl>
+                                        <p:attrNameLst>
+                                          <p:attrName>ppt_x</p:attrName>
+                                        </p:attrNameLst>
+                                      </p:cBhvr>
+                                      <p:tavLst>
+                                        <p:tav tm="0">
+                                          <p:val>
+                                            <p:strVal val="#ppt_x"/>
+                                          </p:val>
+                                        </p:tav>
+                                        <p:tav tm="100000">
+                                          <p:val>
+                                            <p:strVal val="#ppt_x"/>
+                                          </p:val>
+                                        </p:tav>
+                                      </p:tavLst>
+                                    </p:anim>
+                                    <p:anim calcmode="lin" valueType="num">
+                                      <p:cBhvr additive="base">
+                                        <p:cTn id="114" dur="500" fill="hold"/>
+                                        <p:tgtEl>
+                                          <p:spTgt spid="24"/>
+                                        </p:tgtEl>
+                                        <p:attrNameLst>
+                                          <p:attrName>ppt_y</p:attrName>
+                                        </p:attrNameLst>
+                                      </p:cBhvr>
+                                      <p:tavLst>
+                                        <p:tav tm="0">
+                                          <p:val>
+                                            <p:strVal val="1+#ppt_h/2"/>
+                                          </p:val>
+                                        </p:tav>
+                                        <p:tav tm="100000">
+                                          <p:val>
+                                            <p:strVal val="#ppt_y"/>
+                                          </p:val>
+                                        </p:tav>
+                                      </p:tavLst>
+                                    </p:anim>
+                                  </p:childTnLst>
+                                </p:cTn>
+                              </p:par>
+                              <p:par>
+                                <p:cTn id="115" presetID="2" presetClass="entr" presetSubtype="4" fill="hold" nodeType="withEffect">
+                                  <p:stCondLst>
+                                    <p:cond delay="0"/>
+                                  </p:stCondLst>
+                                  <p:childTnLst>
+                                    <p:set>
+                                      <p:cBhvr>
+                                        <p:cTn id="116" dur="1" fill="hold">
+                                          <p:stCondLst>
+                                            <p:cond delay="0"/>
+                                          </p:stCondLst>
+                                        </p:cTn>
+                                        <p:tgtEl>
+                                          <p:spTgt spid="15"/>
+                                        </p:tgtEl>
+                                        <p:attrNameLst>
+                                          <p:attrName>style.visibility</p:attrName>
+                                        </p:attrNameLst>
+                                      </p:cBhvr>
+                                      <p:to>
+                                        <p:strVal val="visible"/>
+                                      </p:to>
+                                    </p:set>
+                                    <p:anim calcmode="lin" valueType="num">
+                                      <p:cBhvr additive="base">
+                                        <p:cTn id="117" dur="500" fill="hold"/>
+                                        <p:tgtEl>
+                                          <p:spTgt spid="15"/>
+                                        </p:tgtEl>
+                                        <p:attrNameLst>
+                                          <p:attrName>ppt_x</p:attrName>
+                                        </p:attrNameLst>
+                                      </p:cBhvr>
+                                      <p:tavLst>
+                                        <p:tav tm="0">
+                                          <p:val>
+                                            <p:strVal val="#ppt_x"/>
+                                          </p:val>
+                                        </p:tav>
+                                        <p:tav tm="100000">
+                                          <p:val>
+                                            <p:strVal val="#ppt_x"/>
+                                          </p:val>
+                                        </p:tav>
+                                      </p:tavLst>
+                                    </p:anim>
+                                    <p:anim calcmode="lin" valueType="num">
+                                      <p:cBhvr additive="base">
+                                        <p:cTn id="118" dur="500" fill="hold"/>
+                                        <p:tgtEl>
+                                          <p:spTgt spid="15"/>
+                                        </p:tgtEl>
+                                        <p:attrNameLst>
+                                          <p:attrName>ppt_y</p:attrName>
+                                        </p:attrNameLst>
+                                      </p:cBhvr>
+                                      <p:tavLst>
+                                        <p:tav tm="0">
+                                          <p:val>
+                                            <p:strVal val="1+#ppt_h/2"/>
+                                          </p:val>
+                                        </p:tav>
+                                        <p:tav tm="100000">
+                                          <p:val>
+                                            <p:strVal val="#ppt_y"/>
+                                          </p:val>
+                                        </p:tav>
+                                      </p:tavLst>
+                                    </p:anim>
+                                  </p:childTnLst>
+                                </p:cTn>
+                              </p:par>
+                            </p:childTnLst>
+                          </p:cTn>
+                        </p:par>
+                      </p:childTnLst>
+                    </p:cTn>
+                  </p:par>
+                  <p:par>
+                    <p:cTn id="119" fill="hold">
+                      <p:stCondLst>
+                        <p:cond delay="indefinite"/>
+                      </p:stCondLst>
+                      <p:childTnLst>
+                        <p:par>
+                          <p:cTn id="120" fill="hold">
+                            <p:stCondLst>
+                              <p:cond delay="0"/>
+                            </p:stCondLst>
+                            <p:childTnLst>
+                              <p:par>
+                                <p:cTn id="121" presetID="2" presetClass="entr" presetSubtype="4" fill="hold" nodeType="clickEffect">
+                                  <p:stCondLst>
+                                    <p:cond delay="0"/>
+                                  </p:stCondLst>
+                                  <p:childTnLst>
+                                    <p:set>
+                                      <p:cBhvr>
+                                        <p:cTn id="122" dur="1" fill="hold">
+                                          <p:stCondLst>
+                                            <p:cond delay="0"/>
+                                          </p:stCondLst>
+                                        </p:cTn>
+                                        <p:tgtEl>
+                                          <p:spTgt spid="27"/>
+                                        </p:tgtEl>
+                                        <p:attrNameLst>
+                                          <p:attrName>style.visibility</p:attrName>
+                                        </p:attrNameLst>
+                                      </p:cBhvr>
+                                      <p:to>
+                                        <p:strVal val="visible"/>
+                                      </p:to>
+                                    </p:set>
+                                    <p:anim calcmode="lin" valueType="num">
+                                      <p:cBhvr additive="base">
+                                        <p:cTn id="123" dur="500" fill="hold"/>
+                                        <p:tgtEl>
+                                          <p:spTgt spid="27"/>
+                                        </p:tgtEl>
+                                        <p:attrNameLst>
+                                          <p:attrName>ppt_x</p:attrName>
+                                        </p:attrNameLst>
+                                      </p:cBhvr>
+                                      <p:tavLst>
+                                        <p:tav tm="0">
+                                          <p:val>
+                                            <p:strVal val="#ppt_x"/>
+                                          </p:val>
+                                        </p:tav>
+                                        <p:tav tm="100000">
+                                          <p:val>
+                                            <p:strVal val="#ppt_x"/>
+                                          </p:val>
+                                        </p:tav>
+                                      </p:tavLst>
+                                    </p:anim>
+                                    <p:anim calcmode="lin" valueType="num">
+                                      <p:cBhvr additive="base">
+                                        <p:cTn id="124" dur="500" fill="hold"/>
+                                        <p:tgtEl>
+                                          <p:spTgt spid="27"/>
+                                        </p:tgtEl>
+                                        <p:attrNameLst>
+                                          <p:attrName>ppt_y</p:attrName>
+                                        </p:attrNameLst>
+                                      </p:cBhvr>
+                                      <p:tavLst>
+                                        <p:tav tm="0">
+                                          <p:val>
+                                            <p:strVal val="1+#ppt_h/2"/>
+                                          </p:val>
+                                        </p:tav>
+                                        <p:tav tm="100000">
+                                          <p:val>
+                                            <p:strVal val="#ppt_y"/>
+                                          </p:val>
+                                        </p:tav>
+                                      </p:tavLst>
+                                    </p:anim>
+                                  </p:childTnLst>
+                                </p:cTn>
+                              </p:par>
+                              <p:par>
+                                <p:cTn id="125" presetID="2" presetClass="entr" presetSubtype="4" fill="hold" nodeType="withEffect">
+                                  <p:stCondLst>
+                                    <p:cond delay="0"/>
+                                  </p:stCondLst>
+                                  <p:childTnLst>
+                                    <p:set>
+                                      <p:cBhvr>
+                                        <p:cTn id="126" dur="1" fill="hold">
+                                          <p:stCondLst>
+                                            <p:cond delay="0"/>
+                                          </p:stCondLst>
+                                        </p:cTn>
+                                        <p:tgtEl>
+                                          <p:spTgt spid="16"/>
+                                        </p:tgtEl>
+                                        <p:attrNameLst>
+                                          <p:attrName>style.visibility</p:attrName>
+                                        </p:attrNameLst>
+                                      </p:cBhvr>
+                                      <p:to>
+                                        <p:strVal val="visible"/>
+                                      </p:to>
+                                    </p:set>
+                                    <p:anim calcmode="lin" valueType="num">
+                                      <p:cBhvr additive="base">
+                                        <p:cTn id="127" dur="500" fill="hold"/>
+                                        <p:tgtEl>
+                                          <p:spTgt spid="16"/>
+                                        </p:tgtEl>
+                                        <p:attrNameLst>
+                                          <p:attrName>ppt_x</p:attrName>
+                                        </p:attrNameLst>
+                                      </p:cBhvr>
+                                      <p:tavLst>
+                                        <p:tav tm="0">
+                                          <p:val>
+                                            <p:strVal val="#ppt_x"/>
+                                          </p:val>
+                                        </p:tav>
+                                        <p:tav tm="100000">
+                                          <p:val>
+                                            <p:strVal val="#ppt_x"/>
+                                          </p:val>
+                                        </p:tav>
+                                      </p:tavLst>
+                                    </p:anim>
+                                    <p:anim calcmode="lin" valueType="num">
+                                      <p:cBhvr additive="base">
+                                        <p:cTn id="128" dur="500" fill="hold"/>
+                                        <p:tgtEl>
+                                          <p:spTgt spid="16"/>
+                                        </p:tgtEl>
+                                        <p:attrNameLst>
+                                          <p:attrName>ppt_y</p:attrName>
+                                        </p:attrNameLst>
+                                      </p:cBhvr>
+                                      <p:tavLst>
+                                        <p:tav tm="0">
+                                          <p:val>
+                                            <p:strVal val="1+#ppt_h/2"/>
+                                          </p:val>
+                                        </p:tav>
+                                        <p:tav tm="100000">
+                                          <p:val>
+                                            <p:strVal val="#ppt_y"/>
+                                          </p:val>
+                                        </p:tav>
+                                      </p:tavLst>
+                                    </p:anim>
+                                  </p:childTnLst>
+                                </p:cTn>
+                              </p:par>
+                            </p:childTnLst>
+                          </p:cTn>
+                        </p:par>
+                      </p:childTnLst>
+                    </p:cTn>
+                  </p:par>
+                </p:childTnLst>
+              </p:cTn>
+              <p:prevCondLst>
+                <p:cond evt="onPrev" delay="0">
+                  <p:tgtEl>
+                    <p:sldTgt/>
+                  </p:tgtEl>
+                </p:cond>
+              </p:prevCondLst>
+              <p:nextCondLst>
+                <p:cond evt="onNext" delay="0">
+                  <p:tgtEl>
+                    <p:sldTgt/>
+                  </p:tgtEl>
+                </p:cond>
+              </p:nextCondLst>
+            </p:seq>
+          </p:childTnLst>
+        </p:cTn>
+      </p:par>
+    </p:tnLst>
+  </p:timing>
+</p:sld>
+</file>
+
+<file path=ppt/slides/slide3.xml><?xml version="1.0" encoding="utf-8"?>
+<p:sld xmlns:a="http://schemas.openxmlformats.org/drawingml/2006/main" xmlns:r="http://schemas.openxmlformats.org/officeDocument/2006/relationships" xmlns:p="http://schemas.openxmlformats.org/presentationml/2006/main">
+  <p:cSld>
+    <p:spTree>
+      <p:nvGrpSpPr>
+        <p:cNvPr id="1" name=""/>
+        <p:cNvGrpSpPr/>
+        <p:nvPr/>
+      </p:nvGrpSpPr>
+      <p:grpSpPr>
+        <a:xfrm>
+          <a:off x="0" y="0"/>
+          <a:ext cx="0" cy="0"/>
+          <a:chOff x="0" y="0"/>
+          <a:chExt cx="0" cy="0"/>
+        </a:xfrm>
+      </p:grpSpPr>
+      <p:pic>
+        <p:nvPicPr>
+          <p:cNvPr id="2" name="Picture 1">
+            <a:extLst>
+              <a:ext uri="{FF2B5EF4-FFF2-40B4-BE49-F238E27FC236}">
+                <a16:creationId xmlns:a16="http://schemas.microsoft.com/office/drawing/2014/main" id="{EC40F412-58B5-4BDA-ADF6-3A6EF9E8D02D}"/>
+              </a:ext>
+            </a:extLst>
+          </p:cNvPr>
+          <p:cNvPicPr>
+            <a:picLocks noChangeAspect="1"/>
+          </p:cNvPicPr>
+          <p:nvPr/>
+        </p:nvPicPr>
+        <p:blipFill>
+          <a:blip r:embed="rId2"/>
+          <a:stretch>
+            <a:fillRect/>
+          </a:stretch>
+        </p:blipFill>
+        <p:spPr>
+          <a:xfrm>
+            <a:off x="483744" y="250955"/>
+            <a:ext cx="1182682" cy="1197467"/>
+          </a:xfrm>
+          <a:prstGeom prst="rect">
+            <a:avLst/>
+          </a:prstGeom>
+        </p:spPr>
+      </p:pic>
+      <p:pic>
+        <p:nvPicPr>
+          <p:cNvPr id="3" name="Picture 2">
+            <a:extLst>
+              <a:ext uri="{FF2B5EF4-FFF2-40B4-BE49-F238E27FC236}">
+                <a16:creationId xmlns:a16="http://schemas.microsoft.com/office/drawing/2014/main" id="{90AD6620-8586-4828-B956-73240FAFCE17}"/>
+              </a:ext>
+            </a:extLst>
+          </p:cNvPr>
+          <p:cNvPicPr>
+            <a:picLocks noChangeAspect="1"/>
+          </p:cNvPicPr>
+          <p:nvPr/>
+        </p:nvPicPr>
+        <p:blipFill>
+          <a:blip r:embed="rId3"/>
+          <a:stretch>
+            <a:fillRect/>
+          </a:stretch>
+        </p:blipFill>
+        <p:spPr>
+          <a:xfrm>
+            <a:off x="2463304" y="265375"/>
+            <a:ext cx="1215416" cy="1200409"/>
+          </a:xfrm>
+          <a:prstGeom prst="rect">
+            <a:avLst/>
+          </a:prstGeom>
+        </p:spPr>
+      </p:pic>
+      <p:pic>
+        <p:nvPicPr>
+          <p:cNvPr id="4" name="Picture 3">
+            <a:extLst>
+              <a:ext uri="{FF2B5EF4-FFF2-40B4-BE49-F238E27FC236}">
+                <a16:creationId xmlns:a16="http://schemas.microsoft.com/office/drawing/2014/main" id="{7A0C0879-621A-4263-846E-B1AB4A6E0A6B}"/>
+              </a:ext>
+            </a:extLst>
+          </p:cNvPr>
+          <p:cNvPicPr>
+            <a:picLocks noChangeAspect="1"/>
+          </p:cNvPicPr>
+          <p:nvPr/>
+        </p:nvPicPr>
+        <p:blipFill>
+          <a:blip r:embed="rId4"/>
+          <a:stretch>
+            <a:fillRect/>
+          </a:stretch>
+        </p:blipFill>
+        <p:spPr>
+          <a:xfrm>
+            <a:off x="4564798" y="285874"/>
+            <a:ext cx="1215416" cy="1128601"/>
+          </a:xfrm>
+          <a:prstGeom prst="rect">
+            <a:avLst/>
+          </a:prstGeom>
+        </p:spPr>
+      </p:pic>
+      <p:pic>
+        <p:nvPicPr>
+          <p:cNvPr id="5" name="Picture 4">
+            <a:extLst>
+              <a:ext uri="{FF2B5EF4-FFF2-40B4-BE49-F238E27FC236}">
+                <a16:creationId xmlns:a16="http://schemas.microsoft.com/office/drawing/2014/main" id="{D447A7D7-1A7B-43DC-BD81-1846BE496585}"/>
+              </a:ext>
+            </a:extLst>
+          </p:cNvPr>
+          <p:cNvPicPr>
+            <a:picLocks noChangeAspect="1"/>
+          </p:cNvPicPr>
+          <p:nvPr/>
+        </p:nvPicPr>
+        <p:blipFill>
+          <a:blip r:embed="rId5"/>
+          <a:stretch>
+            <a:fillRect/>
+          </a:stretch>
+        </p:blipFill>
+        <p:spPr>
+          <a:xfrm>
+            <a:off x="6652495" y="263526"/>
+            <a:ext cx="1215416" cy="1185032"/>
+          </a:xfrm>
+          <a:prstGeom prst="rect">
+            <a:avLst/>
+          </a:prstGeom>
+        </p:spPr>
+      </p:pic>
+      <p:pic>
+        <p:nvPicPr>
+          <p:cNvPr id="6" name="Picture 5">
+            <a:extLst>
+              <a:ext uri="{FF2B5EF4-FFF2-40B4-BE49-F238E27FC236}">
+                <a16:creationId xmlns:a16="http://schemas.microsoft.com/office/drawing/2014/main" id="{02319402-639A-4B73-98D0-4CFDF112BE8B}"/>
+              </a:ext>
+            </a:extLst>
+          </p:cNvPr>
+          <p:cNvPicPr>
+            <a:picLocks noChangeAspect="1"/>
+          </p:cNvPicPr>
+          <p:nvPr/>
+        </p:nvPicPr>
+        <p:blipFill>
+          <a:blip r:embed="rId6"/>
+          <a:stretch>
+            <a:fillRect/>
+          </a:stretch>
+        </p:blipFill>
+        <p:spPr>
+          <a:xfrm>
+            <a:off x="8678659" y="261839"/>
+            <a:ext cx="1215416" cy="1200032"/>
+          </a:xfrm>
+          <a:prstGeom prst="rect">
+            <a:avLst/>
+          </a:prstGeom>
+        </p:spPr>
+      </p:pic>
+      <p:pic>
+        <p:nvPicPr>
+          <p:cNvPr id="7" name="Picture 6">
+            <a:extLst>
+              <a:ext uri="{FF2B5EF4-FFF2-40B4-BE49-F238E27FC236}">
+                <a16:creationId xmlns:a16="http://schemas.microsoft.com/office/drawing/2014/main" id="{D999F434-9A3A-46F5-A278-F1792183C1EE}"/>
+              </a:ext>
+            </a:extLst>
+          </p:cNvPr>
+          <p:cNvPicPr>
+            <a:picLocks noChangeAspect="1"/>
+          </p:cNvPicPr>
+          <p:nvPr/>
+        </p:nvPicPr>
+        <p:blipFill>
+          <a:blip r:embed="rId7"/>
+          <a:stretch>
+            <a:fillRect/>
+          </a:stretch>
+        </p:blipFill>
+        <p:spPr>
+          <a:xfrm>
+            <a:off x="10780153" y="209744"/>
+            <a:ext cx="1210211" cy="1225726"/>
+          </a:xfrm>
+          <a:prstGeom prst="rect">
+            <a:avLst/>
+          </a:prstGeom>
+        </p:spPr>
+      </p:pic>
+      <p:pic>
+        <p:nvPicPr>
+          <p:cNvPr id="8" name="Picture 7">
+            <a:extLst>
+              <a:ext uri="{FF2B5EF4-FFF2-40B4-BE49-F238E27FC236}">
+                <a16:creationId xmlns:a16="http://schemas.microsoft.com/office/drawing/2014/main" id="{B0A9CAD5-B5E8-4C1A-BE9D-4528984BBA39}"/>
+              </a:ext>
+            </a:extLst>
+          </p:cNvPr>
+          <p:cNvPicPr>
+            <a:picLocks noChangeAspect="1"/>
+          </p:cNvPicPr>
+          <p:nvPr/>
+        </p:nvPicPr>
+        <p:blipFill>
+          <a:blip r:embed="rId8"/>
+          <a:stretch>
+            <a:fillRect/>
+          </a:stretch>
+        </p:blipFill>
+        <p:spPr>
+          <a:xfrm>
+            <a:off x="837635" y="2228484"/>
+            <a:ext cx="2504861" cy="1180452"/>
+          </a:xfrm>
+          <a:prstGeom prst="rect">
+            <a:avLst/>
+          </a:prstGeom>
+        </p:spPr>
+      </p:pic>
+      <p:pic>
+        <p:nvPicPr>
+          <p:cNvPr id="9" name="Picture 8">
+            <a:extLst>
+              <a:ext uri="{FF2B5EF4-FFF2-40B4-BE49-F238E27FC236}">
+                <a16:creationId xmlns:a16="http://schemas.microsoft.com/office/drawing/2014/main" id="{C3DFCC4D-204B-4A31-ADCE-4AA96B4EDA6C}"/>
+              </a:ext>
+            </a:extLst>
+          </p:cNvPr>
+          <p:cNvPicPr>
+            <a:picLocks noChangeAspect="1"/>
+          </p:cNvPicPr>
+          <p:nvPr/>
+        </p:nvPicPr>
+        <p:blipFill>
+          <a:blip r:embed="rId9"/>
+          <a:stretch>
+            <a:fillRect/>
+          </a:stretch>
+        </p:blipFill>
+        <p:spPr>
+          <a:xfrm>
+            <a:off x="4564798" y="2247537"/>
+            <a:ext cx="1425180" cy="1151660"/>
+          </a:xfrm>
+          <a:prstGeom prst="rect">
+            <a:avLst/>
+          </a:prstGeom>
+        </p:spPr>
+      </p:pic>
+      <p:pic>
+        <p:nvPicPr>
+          <p:cNvPr id="10" name="Picture 9">
+            <a:extLst>
+              <a:ext uri="{FF2B5EF4-FFF2-40B4-BE49-F238E27FC236}">
+                <a16:creationId xmlns:a16="http://schemas.microsoft.com/office/drawing/2014/main" id="{F1D23679-1394-4531-822F-43A39BAD9E22}"/>
+              </a:ext>
+            </a:extLst>
+          </p:cNvPr>
+          <p:cNvPicPr>
+            <a:picLocks noChangeAspect="1"/>
+          </p:cNvPicPr>
+          <p:nvPr/>
+        </p:nvPicPr>
+        <p:blipFill>
+          <a:blip r:embed="rId10"/>
+          <a:stretch>
+            <a:fillRect/>
+          </a:stretch>
+        </p:blipFill>
+        <p:spPr>
+          <a:xfrm>
+            <a:off x="6821991" y="2247536"/>
+            <a:ext cx="1324409" cy="1223639"/>
+          </a:xfrm>
+          <a:prstGeom prst="rect">
+            <a:avLst/>
+          </a:prstGeom>
+        </p:spPr>
+      </p:pic>
+      <p:pic>
+        <p:nvPicPr>
+          <p:cNvPr id="11" name="Picture 10">
+            <a:extLst>
+              <a:ext uri="{FF2B5EF4-FFF2-40B4-BE49-F238E27FC236}">
+                <a16:creationId xmlns:a16="http://schemas.microsoft.com/office/drawing/2014/main" id="{D6B4D768-A9DD-4B86-AC31-C7C5C8BD66B7}"/>
+              </a:ext>
+            </a:extLst>
+          </p:cNvPr>
+          <p:cNvPicPr>
+            <a:picLocks noChangeAspect="1"/>
+          </p:cNvPicPr>
+          <p:nvPr/>
+        </p:nvPicPr>
+        <p:blipFill>
+          <a:blip r:embed="rId11"/>
+          <a:stretch>
+            <a:fillRect/>
+          </a:stretch>
+        </p:blipFill>
+        <p:spPr>
+          <a:xfrm>
+            <a:off x="9447291" y="2276116"/>
+            <a:ext cx="2476071" cy="1180452"/>
+          </a:xfrm>
+          <a:prstGeom prst="rect">
+            <a:avLst/>
+          </a:prstGeom>
+        </p:spPr>
+      </p:pic>
+      <p:pic>
+        <p:nvPicPr>
+          <p:cNvPr id="13" name="Picture 12">
+            <a:extLst>
+              <a:ext uri="{FF2B5EF4-FFF2-40B4-BE49-F238E27FC236}">
+                <a16:creationId xmlns:a16="http://schemas.microsoft.com/office/drawing/2014/main" id="{6C1A762D-CB49-400F-89B3-BD30D0B66D44}"/>
+              </a:ext>
+            </a:extLst>
+          </p:cNvPr>
+          <p:cNvPicPr>
+            <a:picLocks noChangeAspect="1"/>
+          </p:cNvPicPr>
+          <p:nvPr/>
+        </p:nvPicPr>
+        <p:blipFill>
+          <a:blip r:embed="rId12"/>
+          <a:stretch>
+            <a:fillRect/>
+          </a:stretch>
+        </p:blipFill>
+        <p:spPr>
+          <a:xfrm>
+            <a:off x="1027190" y="4200568"/>
+            <a:ext cx="3474283" cy="1113380"/>
+          </a:xfrm>
+          <a:prstGeom prst="rect">
+            <a:avLst/>
+          </a:prstGeom>
+        </p:spPr>
+      </p:pic>
+      <p:pic>
+        <p:nvPicPr>
+          <p:cNvPr id="14" name="Picture 13">
+            <a:extLst>
+              <a:ext uri="{FF2B5EF4-FFF2-40B4-BE49-F238E27FC236}">
+                <a16:creationId xmlns:a16="http://schemas.microsoft.com/office/drawing/2014/main" id="{6ACBF1E5-22CD-47F0-A229-D6B7DC2E8F07}"/>
+              </a:ext>
+            </a:extLst>
+          </p:cNvPr>
+          <p:cNvPicPr>
+            <a:picLocks noChangeAspect="1"/>
+          </p:cNvPicPr>
+          <p:nvPr/>
+        </p:nvPicPr>
+        <p:blipFill>
+          <a:blip r:embed="rId13"/>
+          <a:stretch>
+            <a:fillRect/>
+          </a:stretch>
+        </p:blipFill>
+        <p:spPr>
+          <a:xfrm>
+            <a:off x="7642029" y="4150026"/>
+            <a:ext cx="3514527" cy="1180452"/>
+          </a:xfrm>
+          <a:prstGeom prst="rect">
+            <a:avLst/>
+          </a:prstGeom>
+        </p:spPr>
+      </p:pic>
+      <p:pic>
+        <p:nvPicPr>
+          <p:cNvPr id="15" name="Picture 14">
+            <a:extLst>
+              <a:ext uri="{FF2B5EF4-FFF2-40B4-BE49-F238E27FC236}">
+                <a16:creationId xmlns:a16="http://schemas.microsoft.com/office/drawing/2014/main" id="{2E55226D-4324-4A98-AE39-17A6A7C9C70F}"/>
+              </a:ext>
+            </a:extLst>
+          </p:cNvPr>
+          <p:cNvPicPr>
+            <a:picLocks noChangeAspect="1"/>
+          </p:cNvPicPr>
+          <p:nvPr/>
+        </p:nvPicPr>
+        <p:blipFill>
+          <a:blip r:embed="rId14"/>
+          <a:stretch>
+            <a:fillRect/>
+          </a:stretch>
+        </p:blipFill>
+        <p:spPr>
+          <a:xfrm>
+            <a:off x="2894719" y="5812039"/>
+            <a:ext cx="6630243" cy="1113380"/>
+          </a:xfrm>
+          <a:prstGeom prst="rect">
+            <a:avLst/>
+          </a:prstGeom>
+        </p:spPr>
+      </p:pic>
+      <p:pic>
+        <p:nvPicPr>
+          <p:cNvPr id="16" name="Picture 15">
+            <a:extLst>
+              <a:ext uri="{FF2B5EF4-FFF2-40B4-BE49-F238E27FC236}">
+                <a16:creationId xmlns:a16="http://schemas.microsoft.com/office/drawing/2014/main" id="{A70E772C-0805-43ED-BE6E-0270F5BAE6F9}"/>
+              </a:ext>
+            </a:extLst>
+          </p:cNvPr>
+          <p:cNvPicPr>
+            <a:picLocks noChangeAspect="1"/>
+          </p:cNvPicPr>
+          <p:nvPr/>
+        </p:nvPicPr>
+        <p:blipFill>
+          <a:blip r:embed="rId15"/>
+          <a:stretch>
+            <a:fillRect/>
+          </a:stretch>
+        </p:blipFill>
+        <p:spPr>
+          <a:xfrm rot="3517365">
+            <a:off x="2435882" y="1560188"/>
+            <a:ext cx="746503" cy="595039"/>
+          </a:xfrm>
+          <a:prstGeom prst="rect">
+            <a:avLst/>
+          </a:prstGeom>
+        </p:spPr>
+      </p:pic>
+      <p:pic>
+        <p:nvPicPr>
+          <p:cNvPr id="17" name="Picture 16">
+            <a:extLst>
+              <a:ext uri="{FF2B5EF4-FFF2-40B4-BE49-F238E27FC236}">
+                <a16:creationId xmlns:a16="http://schemas.microsoft.com/office/drawing/2014/main" id="{8092F153-8218-499B-A05C-680F5952221C}"/>
+              </a:ext>
+            </a:extLst>
+          </p:cNvPr>
+          <p:cNvPicPr>
+            <a:picLocks noChangeAspect="1"/>
+          </p:cNvPicPr>
+          <p:nvPr/>
+        </p:nvPicPr>
+        <p:blipFill>
+          <a:blip r:embed="rId15"/>
+          <a:stretch>
+            <a:fillRect/>
+          </a:stretch>
+        </p:blipFill>
+        <p:spPr>
+          <a:xfrm rot="2007042">
+            <a:off x="4792356" y="1511332"/>
+            <a:ext cx="746503" cy="595039"/>
+          </a:xfrm>
+          <a:prstGeom prst="rect">
+            <a:avLst/>
+          </a:prstGeom>
+        </p:spPr>
+      </p:pic>
+      <p:pic>
+        <p:nvPicPr>
+          <p:cNvPr id="18" name="Picture 17">
+            <a:extLst>
+              <a:ext uri="{FF2B5EF4-FFF2-40B4-BE49-F238E27FC236}">
+                <a16:creationId xmlns:a16="http://schemas.microsoft.com/office/drawing/2014/main" id="{DFA60417-4364-4066-8FEF-ACBDBD0E8136}"/>
+              </a:ext>
+            </a:extLst>
+          </p:cNvPr>
+          <p:cNvPicPr>
+            <a:picLocks noChangeAspect="1"/>
+          </p:cNvPicPr>
+          <p:nvPr/>
+        </p:nvPicPr>
+        <p:blipFill>
+          <a:blip r:embed="rId15"/>
+          <a:stretch>
+            <a:fillRect/>
+          </a:stretch>
+        </p:blipFill>
+        <p:spPr>
+          <a:xfrm rot="1969970">
+            <a:off x="6979516" y="1601100"/>
+            <a:ext cx="746503" cy="595039"/>
+          </a:xfrm>
+          <a:prstGeom prst="rect">
+            <a:avLst/>
+          </a:prstGeom>
+        </p:spPr>
+      </p:pic>
+      <p:pic>
+        <p:nvPicPr>
+          <p:cNvPr id="19" name="Picture 18">
+            <a:extLst>
+              <a:ext uri="{FF2B5EF4-FFF2-40B4-BE49-F238E27FC236}">
+                <a16:creationId xmlns:a16="http://schemas.microsoft.com/office/drawing/2014/main" id="{79445177-5011-4B19-A091-BA6AA566C381}"/>
+              </a:ext>
+            </a:extLst>
+          </p:cNvPr>
+          <p:cNvPicPr>
+            <a:picLocks noChangeAspect="1"/>
+          </p:cNvPicPr>
+          <p:nvPr/>
+        </p:nvPicPr>
+        <p:blipFill>
+          <a:blip r:embed="rId15"/>
+          <a:stretch>
+            <a:fillRect/>
+          </a:stretch>
+        </p:blipFill>
+        <p:spPr>
+          <a:xfrm rot="20982567">
+            <a:off x="9572107" y="1571553"/>
+            <a:ext cx="746503" cy="595039"/>
+          </a:xfrm>
+          <a:prstGeom prst="rect">
+            <a:avLst/>
+          </a:prstGeom>
+        </p:spPr>
+      </p:pic>
+      <p:pic>
+        <p:nvPicPr>
+          <p:cNvPr id="20" name="Picture 19">
+            <a:extLst>
+              <a:ext uri="{FF2B5EF4-FFF2-40B4-BE49-F238E27FC236}">
+                <a16:creationId xmlns:a16="http://schemas.microsoft.com/office/drawing/2014/main" id="{AA948443-2894-43DC-B2EE-DAA63A8BE0A6}"/>
+              </a:ext>
+            </a:extLst>
+          </p:cNvPr>
+          <p:cNvPicPr>
+            <a:picLocks noChangeAspect="1"/>
+          </p:cNvPicPr>
+          <p:nvPr/>
+        </p:nvPicPr>
+        <p:blipFill>
+          <a:blip r:embed="rId15"/>
+          <a:stretch>
+            <a:fillRect/>
+          </a:stretch>
+        </p:blipFill>
+        <p:spPr>
+          <a:xfrm rot="4108398">
+            <a:off x="4208220" y="3478354"/>
+            <a:ext cx="746503" cy="595039"/>
+          </a:xfrm>
+          <a:prstGeom prst="rect">
+            <a:avLst/>
+          </a:prstGeom>
+        </p:spPr>
+      </p:pic>
+      <p:pic>
+        <p:nvPicPr>
+          <p:cNvPr id="21" name="Picture 20">
+            <a:extLst>
+              <a:ext uri="{FF2B5EF4-FFF2-40B4-BE49-F238E27FC236}">
+                <a16:creationId xmlns:a16="http://schemas.microsoft.com/office/drawing/2014/main" id="{EC103D5D-0BB7-4F38-87AA-08FFBE89FCE5}"/>
+              </a:ext>
+            </a:extLst>
+          </p:cNvPr>
+          <p:cNvPicPr>
+            <a:picLocks noChangeAspect="1"/>
+          </p:cNvPicPr>
+          <p:nvPr/>
+        </p:nvPicPr>
+        <p:blipFill>
+          <a:blip r:embed="rId15"/>
+          <a:stretch>
+            <a:fillRect/>
+          </a:stretch>
+        </p:blipFill>
+        <p:spPr>
+          <a:xfrm rot="921893">
+            <a:off x="2391081" y="3490371"/>
+            <a:ext cx="746503" cy="595039"/>
+          </a:xfrm>
+          <a:prstGeom prst="rect">
+            <a:avLst/>
+          </a:prstGeom>
+        </p:spPr>
+      </p:pic>
+      <p:pic>
+        <p:nvPicPr>
+          <p:cNvPr id="22" name="Picture 21">
+            <a:extLst>
+              <a:ext uri="{FF2B5EF4-FFF2-40B4-BE49-F238E27FC236}">
+                <a16:creationId xmlns:a16="http://schemas.microsoft.com/office/drawing/2014/main" id="{070EC58D-7EBA-4552-889A-02EE76D4162E}"/>
+              </a:ext>
+            </a:extLst>
+          </p:cNvPr>
+          <p:cNvPicPr>
+            <a:picLocks noChangeAspect="1"/>
+          </p:cNvPicPr>
+          <p:nvPr/>
+        </p:nvPicPr>
+        <p:blipFill>
+          <a:blip r:embed="rId15"/>
+          <a:stretch>
+            <a:fillRect/>
+          </a:stretch>
+        </p:blipFill>
+        <p:spPr>
+          <a:xfrm rot="921893">
+            <a:off x="1145580" y="1534519"/>
+            <a:ext cx="746503" cy="595039"/>
+          </a:xfrm>
+          <a:prstGeom prst="rect">
+            <a:avLst/>
+          </a:prstGeom>
+        </p:spPr>
+      </p:pic>
+      <p:pic>
+        <p:nvPicPr>
+          <p:cNvPr id="23" name="Picture 22">
+            <a:extLst>
+              <a:ext uri="{FF2B5EF4-FFF2-40B4-BE49-F238E27FC236}">
+                <a16:creationId xmlns:a16="http://schemas.microsoft.com/office/drawing/2014/main" id="{5287BBA1-F009-4390-BC3F-B46FEACF998E}"/>
+              </a:ext>
+            </a:extLst>
+          </p:cNvPr>
+          <p:cNvPicPr>
+            <a:picLocks noChangeAspect="1"/>
+          </p:cNvPicPr>
+          <p:nvPr/>
+        </p:nvPicPr>
+        <p:blipFill>
+          <a:blip r:embed="rId15"/>
+          <a:stretch>
+            <a:fillRect/>
+          </a:stretch>
+        </p:blipFill>
+        <p:spPr>
+          <a:xfrm rot="4184583">
+            <a:off x="10801381" y="1539787"/>
+            <a:ext cx="746503" cy="595039"/>
+          </a:xfrm>
+          <a:prstGeom prst="rect">
+            <a:avLst/>
+          </a:prstGeom>
+        </p:spPr>
+      </p:pic>
+      <p:pic>
+        <p:nvPicPr>
+          <p:cNvPr id="24" name="Picture 23">
+            <a:extLst>
+              <a:ext uri="{FF2B5EF4-FFF2-40B4-BE49-F238E27FC236}">
+                <a16:creationId xmlns:a16="http://schemas.microsoft.com/office/drawing/2014/main" id="{88765B47-DCE3-40B2-BE26-485D21F3F3F2}"/>
+              </a:ext>
+            </a:extLst>
+          </p:cNvPr>
+          <p:cNvPicPr>
+            <a:picLocks noChangeAspect="1"/>
+          </p:cNvPicPr>
+          <p:nvPr/>
+        </p:nvPicPr>
+        <p:blipFill>
+          <a:blip r:embed="rId15"/>
+          <a:stretch>
+            <a:fillRect/>
+          </a:stretch>
+        </p:blipFill>
+        <p:spPr>
+          <a:xfrm rot="21295959">
+            <a:off x="7682503" y="3433527"/>
+            <a:ext cx="746503" cy="595039"/>
+          </a:xfrm>
+          <a:prstGeom prst="rect">
+            <a:avLst/>
+          </a:prstGeom>
+        </p:spPr>
+      </p:pic>
+      <p:pic>
+        <p:nvPicPr>
+          <p:cNvPr id="25" name="Picture 24">
+            <a:extLst>
+              <a:ext uri="{FF2B5EF4-FFF2-40B4-BE49-F238E27FC236}">
+                <a16:creationId xmlns:a16="http://schemas.microsoft.com/office/drawing/2014/main" id="{2DAE50E8-8FEA-4BB1-834B-9F06D90B257C}"/>
+              </a:ext>
+            </a:extLst>
+          </p:cNvPr>
+          <p:cNvPicPr>
+            <a:picLocks noChangeAspect="1"/>
+          </p:cNvPicPr>
+          <p:nvPr/>
+        </p:nvPicPr>
+        <p:blipFill>
+          <a:blip r:embed="rId15"/>
+          <a:stretch>
+            <a:fillRect/>
+          </a:stretch>
+        </p:blipFill>
+        <p:spPr>
+          <a:xfrm rot="4331374">
+            <a:off x="9920237" y="3546831"/>
+            <a:ext cx="746503" cy="595039"/>
+          </a:xfrm>
+          <a:prstGeom prst="rect">
+            <a:avLst/>
+          </a:prstGeom>
+        </p:spPr>
+      </p:pic>
+      <p:pic>
+        <p:nvPicPr>
+          <p:cNvPr id="26" name="Picture 25">
+            <a:extLst>
+              <a:ext uri="{FF2B5EF4-FFF2-40B4-BE49-F238E27FC236}">
+                <a16:creationId xmlns:a16="http://schemas.microsoft.com/office/drawing/2014/main" id="{52A03F43-AD4C-4F05-812D-FC5BA6048A88}"/>
+              </a:ext>
+            </a:extLst>
+          </p:cNvPr>
+          <p:cNvPicPr>
+            <a:picLocks noChangeAspect="1"/>
+          </p:cNvPicPr>
+          <p:nvPr/>
+        </p:nvPicPr>
+        <p:blipFill>
+          <a:blip r:embed="rId15"/>
+          <a:stretch>
+            <a:fillRect/>
+          </a:stretch>
+        </p:blipFill>
+        <p:spPr>
+          <a:xfrm rot="21049254">
+            <a:off x="4375083" y="5238042"/>
+            <a:ext cx="746503" cy="595039"/>
+          </a:xfrm>
+          <a:prstGeom prst="rect">
+            <a:avLst/>
+          </a:prstGeom>
+        </p:spPr>
+      </p:pic>
+      <p:pic>
+        <p:nvPicPr>
+          <p:cNvPr id="27" name="Picture 26">
+            <a:extLst>
+              <a:ext uri="{FF2B5EF4-FFF2-40B4-BE49-F238E27FC236}">
+                <a16:creationId xmlns:a16="http://schemas.microsoft.com/office/drawing/2014/main" id="{9E2B7018-616A-4BCD-923B-1197ACB14E1E}"/>
+              </a:ext>
+            </a:extLst>
+          </p:cNvPr>
+          <p:cNvPicPr>
+            <a:picLocks noChangeAspect="1"/>
+          </p:cNvPicPr>
+          <p:nvPr/>
+        </p:nvPicPr>
+        <p:blipFill>
+          <a:blip r:embed="rId15"/>
+          <a:stretch>
+            <a:fillRect/>
+          </a:stretch>
+        </p:blipFill>
+        <p:spPr>
+          <a:xfrm rot="4348277">
+            <a:off x="7037311" y="5187150"/>
+            <a:ext cx="746503" cy="595039"/>
+          </a:xfrm>
+          <a:prstGeom prst="rect">
+            <a:avLst/>
+          </a:prstGeom>
+        </p:spPr>
+      </p:pic>
+    </p:spTree>
+    <p:extLst>
+      <p:ext uri="{BB962C8B-B14F-4D97-AF65-F5344CB8AC3E}">
+        <p14:creationId xmlns:p14="http://schemas.microsoft.com/office/powerpoint/2010/main" val="379054111"/>
+      </p:ext>
+    </p:extLst>
+  </p:cSld>
+  <p:clrMapOvr>
+    <a:masterClrMapping/>
+  </p:clrMapOvr>
+  <p:timing>
+    <p:tnLst>
+      <p:par>
+        <p:cTn id="1" dur="indefinite" restart="never" nodeType="tmRoot">
+          <p:childTnLst>
+            <p:seq concurrent="1" nextAc="seek">
+              <p:cTn id="2" dur="indefinite" nodeType="mainSeq">
+                <p:childTnLst>
+                  <p:par>
+                    <p:cTn id="3" fill="hold">
+                      <p:stCondLst>
+                        <p:cond delay="indefinite"/>
+                      </p:stCondLst>
+                      <p:childTnLst>
+                        <p:par>
+                          <p:cTn id="4" fill="hold">
+                            <p:stCondLst>
+                              <p:cond delay="0"/>
+                            </p:stCondLst>
+                            <p:childTnLst>
+                              <p:par>
+                                <p:cTn id="5" presetID="2" presetClass="entr" presetSubtype="4" fill="hold" nodeType="clickEffect">
+                                  <p:stCondLst>
+                                    <p:cond delay="0"/>
+                                  </p:stCondLst>
+                                  <p:childTnLst>
+                                    <p:set>
+                                      <p:cBhvr>
+                                        <p:cTn id="6" dur="1" fill="hold">
+                                          <p:stCondLst>
+                                            <p:cond delay="0"/>
+                                          </p:stCondLst>
+                                        </p:cTn>
+                                        <p:tgtEl>
+                                          <p:spTgt spid="22"/>
+                                        </p:tgtEl>
+                                        <p:attrNameLst>
+                                          <p:attrName>style.visibility</p:attrName>
+                                        </p:attrNameLst>
+                                      </p:cBhvr>
+                                      <p:to>
+                                        <p:strVal val="visible"/>
+                                      </p:to>
+                                    </p:set>
+                                    <p:anim calcmode="lin" valueType="num">
+                                      <p:cBhvr additive="base">
+                                        <p:cTn id="7" dur="500" fill="hold"/>
+                                        <p:tgtEl>
+                                          <p:spTgt spid="22"/>
+                                        </p:tgtEl>
+                                        <p:attrNameLst>
+                                          <p:attrName>ppt_x</p:attrName>
+                                        </p:attrNameLst>
+                                      </p:cBhvr>
+                                      <p:tavLst>
+                                        <p:tav tm="0">
+                                          <p:val>
+                                            <p:strVal val="#ppt_x"/>
+                                          </p:val>
+                                        </p:tav>
+                                        <p:tav tm="100000">
+                                          <p:val>
+                                            <p:strVal val="#ppt_x"/>
+                                          </p:val>
+                                        </p:tav>
+                                      </p:tavLst>
+                                    </p:anim>
+                                    <p:anim calcmode="lin" valueType="num">
+                                      <p:cBhvr additive="base">
+                                        <p:cTn id="8" dur="500" fill="hold"/>
+                                        <p:tgtEl>
+                                          <p:spTgt spid="22"/>
+                                        </p:tgtEl>
+                                        <p:attrNameLst>
+                                          <p:attrName>ppt_y</p:attrName>
+                                        </p:attrNameLst>
+                                      </p:cBhvr>
+                                      <p:tavLst>
+                                        <p:tav tm="0">
+                                          <p:val>
+                                            <p:strVal val="1+#ppt_h/2"/>
+                                          </p:val>
+                                        </p:tav>
+                                        <p:tav tm="100000">
+                                          <p:val>
+                                            <p:strVal val="#ppt_y"/>
+                                          </p:val>
+                                        </p:tav>
+                                      </p:tavLst>
+                                    </p:anim>
+                                  </p:childTnLst>
+                                </p:cTn>
+                              </p:par>
+                              <p:par>
+                                <p:cTn id="9" presetID="2" presetClass="entr" presetSubtype="4" fill="hold" nodeType="withEffect">
+                                  <p:stCondLst>
+                                    <p:cond delay="0"/>
+                                  </p:stCondLst>
+                                  <p:childTnLst>
+                                    <p:set>
+                                      <p:cBhvr>
+                                        <p:cTn id="10" dur="1" fill="hold">
+                                          <p:stCondLst>
+                                            <p:cond delay="0"/>
+                                          </p:stCondLst>
+                                        </p:cTn>
+                                        <p:tgtEl>
+                                          <p:spTgt spid="16"/>
+                                        </p:tgtEl>
+                                        <p:attrNameLst>
+                                          <p:attrName>style.visibility</p:attrName>
+                                        </p:attrNameLst>
+                                      </p:cBhvr>
+                                      <p:to>
+                                        <p:strVal val="visible"/>
+                                      </p:to>
+                                    </p:set>
+                                    <p:anim calcmode="lin" valueType="num">
+                                      <p:cBhvr additive="base">
+                                        <p:cTn id="11" dur="500" fill="hold"/>
+                                        <p:tgtEl>
+                                          <p:spTgt spid="16"/>
+                                        </p:tgtEl>
+                                        <p:attrNameLst>
+                                          <p:attrName>ppt_x</p:attrName>
+                                        </p:attrNameLst>
+                                      </p:cBhvr>
+                                      <p:tavLst>
+                                        <p:tav tm="0">
+                                          <p:val>
+                                            <p:strVal val="#ppt_x"/>
+                                          </p:val>
+                                        </p:tav>
+                                        <p:tav tm="100000">
+                                          <p:val>
+                                            <p:strVal val="#ppt_x"/>
+                                          </p:val>
+                                        </p:tav>
+                                      </p:tavLst>
+                                    </p:anim>
+                                    <p:anim calcmode="lin" valueType="num">
+                                      <p:cBhvr additive="base">
+                                        <p:cTn id="12" dur="500" fill="hold"/>
+                                        <p:tgtEl>
+                                          <p:spTgt spid="16"/>
+                                        </p:tgtEl>
+                                        <p:attrNameLst>
+                                          <p:attrName>ppt_y</p:attrName>
+                                        </p:attrNameLst>
+                                      </p:cBhvr>
+                                      <p:tavLst>
+                                        <p:tav tm="0">
+                                          <p:val>
+                                            <p:strVal val="1+#ppt_h/2"/>
+                                          </p:val>
+                                        </p:tav>
+                                        <p:tav tm="100000">
+                                          <p:val>
+                                            <p:strVal val="#ppt_y"/>
+                                          </p:val>
+                                        </p:tav>
+                                      </p:tavLst>
+                                    </p:anim>
+                                  </p:childTnLst>
+                                </p:cTn>
+                              </p:par>
+                              <p:par>
+                                <p:cTn id="13" presetID="2" presetClass="entr" presetSubtype="4" fill="hold" nodeType="withEffect">
+                                  <p:stCondLst>
+                                    <p:cond delay="0"/>
+                                  </p:stCondLst>
+                                  <p:childTnLst>
+                                    <p:set>
+                                      <p:cBhvr>
+                                        <p:cTn id="14" dur="1" fill="hold">
+                                          <p:stCondLst>
+                                            <p:cond delay="0"/>
+                                          </p:stCondLst>
+                                        </p:cTn>
+                                        <p:tgtEl>
+                                          <p:spTgt spid="8"/>
+                                        </p:tgtEl>
+                                        <p:attrNameLst>
+                                          <p:attrName>style.visibility</p:attrName>
+                                        </p:attrNameLst>
+                                      </p:cBhvr>
+                                      <p:to>
+                                        <p:strVal val="visible"/>
+                                      </p:to>
+                                    </p:set>
+                                    <p:anim calcmode="lin" valueType="num">
+                                      <p:cBhvr additive="base">
+                                        <p:cTn id="15" dur="500" fill="hold"/>
+                                        <p:tgtEl>
+                                          <p:spTgt spid="8"/>
+                                        </p:tgtEl>
+                                        <p:attrNameLst>
+                                          <p:attrName>ppt_x</p:attrName>
+                                        </p:attrNameLst>
+                                      </p:cBhvr>
+                                      <p:tavLst>
+                                        <p:tav tm="0">
+                                          <p:val>
+                                            <p:strVal val="#ppt_x"/>
+                                          </p:val>
+                                        </p:tav>
+                                        <p:tav tm="100000">
+                                          <p:val>
+                                            <p:strVal val="#ppt_x"/>
+                                          </p:val>
+                                        </p:tav>
+                                      </p:tavLst>
+                                    </p:anim>
+                                    <p:anim calcmode="lin" valueType="num">
+                                      <p:cBhvr additive="base">
+                                        <p:cTn id="16" dur="500" fill="hold"/>
+                                        <p:tgtEl>
+                                          <p:spTgt spid="8"/>
+                                        </p:tgtEl>
+                                        <p:attrNameLst>
+                                          <p:attrName>ppt_y</p:attrName>
+                                        </p:attrNameLst>
+                                      </p:cBhvr>
+                                      <p:tavLst>
+                                        <p:tav tm="0">
+                                          <p:val>
+                                            <p:strVal val="1+#ppt_h/2"/>
+                                          </p:val>
+                                        </p:tav>
+                                        <p:tav tm="100000">
+                                          <p:val>
+                                            <p:strVal val="#ppt_y"/>
+                                          </p:val>
+                                        </p:tav>
+                                      </p:tavLst>
+                                    </p:anim>
+                                  </p:childTnLst>
+                                </p:cTn>
+                              </p:par>
+                            </p:childTnLst>
+                          </p:cTn>
+                        </p:par>
+                      </p:childTnLst>
+                    </p:cTn>
+                  </p:par>
+                  <p:par>
+                    <p:cTn id="17" fill="hold">
+                      <p:stCondLst>
+                        <p:cond delay="indefinite"/>
+                      </p:stCondLst>
+                      <p:childTnLst>
+                        <p:par>
+                          <p:cTn id="18" fill="hold">
+                            <p:stCondLst>
+                              <p:cond delay="0"/>
+                            </p:stCondLst>
+                            <p:childTnLst>
+                              <p:par>
+                                <p:cTn id="19" presetID="2" presetClass="entr" presetSubtype="4" fill="hold" nodeType="clickEffect">
+                                  <p:stCondLst>
+                                    <p:cond delay="0"/>
+                                  </p:stCondLst>
+                                  <p:childTnLst>
+                                    <p:set>
+                                      <p:cBhvr>
+                                        <p:cTn id="20" dur="1" fill="hold">
+                                          <p:stCondLst>
+                                            <p:cond delay="0"/>
+                                          </p:stCondLst>
+                                        </p:cTn>
+                                        <p:tgtEl>
+                                          <p:spTgt spid="17"/>
+                                        </p:tgtEl>
+                                        <p:attrNameLst>
+                                          <p:attrName>style.visibility</p:attrName>
+                                        </p:attrNameLst>
+                                      </p:cBhvr>
+                                      <p:to>
+                                        <p:strVal val="visible"/>
+                                      </p:to>
+                                    </p:set>
+                                    <p:anim calcmode="lin" valueType="num">
+                                      <p:cBhvr additive="base">
+                                        <p:cTn id="21" dur="500" fill="hold"/>
+                                        <p:tgtEl>
+                                          <p:spTgt spid="17"/>
+                                        </p:tgtEl>
+                                        <p:attrNameLst>
+                                          <p:attrName>ppt_x</p:attrName>
+                                        </p:attrNameLst>
+                                      </p:cBhvr>
+                                      <p:tavLst>
+                                        <p:tav tm="0">
+                                          <p:val>
+                                            <p:strVal val="#ppt_x"/>
+                                          </p:val>
+                                        </p:tav>
+                                        <p:tav tm="100000">
+                                          <p:val>
+                                            <p:strVal val="#ppt_x"/>
+                                          </p:val>
+                                        </p:tav>
+                                      </p:tavLst>
+                                    </p:anim>
+                                    <p:anim calcmode="lin" valueType="num">
+                                      <p:cBhvr additive="base">
+                                        <p:cTn id="22" dur="500" fill="hold"/>
+                                        <p:tgtEl>
+                                          <p:spTgt spid="17"/>
+                                        </p:tgtEl>
+                                        <p:attrNameLst>
+                                          <p:attrName>ppt_y</p:attrName>
+                                        </p:attrNameLst>
+                                      </p:cBhvr>
+                                      <p:tavLst>
+                                        <p:tav tm="0">
+                                          <p:val>
+                                            <p:strVal val="1+#ppt_h/2"/>
+                                          </p:val>
+                                        </p:tav>
+                                        <p:tav tm="100000">
+                                          <p:val>
+                                            <p:strVal val="#ppt_y"/>
+                                          </p:val>
+                                        </p:tav>
+                                      </p:tavLst>
+                                    </p:anim>
+                                  </p:childTnLst>
+                                </p:cTn>
+                              </p:par>
+                              <p:par>
+                                <p:cTn id="23" presetID="2" presetClass="entr" presetSubtype="4" fill="hold" nodeType="withEffect">
+                                  <p:stCondLst>
+                                    <p:cond delay="0"/>
+                                  </p:stCondLst>
+                                  <p:childTnLst>
+                                    <p:set>
+                                      <p:cBhvr>
+                                        <p:cTn id="24" dur="1" fill="hold">
+                                          <p:stCondLst>
+                                            <p:cond delay="0"/>
+                                          </p:stCondLst>
+                                        </p:cTn>
+                                        <p:tgtEl>
+                                          <p:spTgt spid="9"/>
+                                        </p:tgtEl>
+                                        <p:attrNameLst>
+                                          <p:attrName>style.visibility</p:attrName>
+                                        </p:attrNameLst>
+                                      </p:cBhvr>
+                                      <p:to>
+                                        <p:strVal val="visible"/>
+                                      </p:to>
+                                    </p:set>
+                                    <p:anim calcmode="lin" valueType="num">
+                                      <p:cBhvr additive="base">
+                                        <p:cTn id="25" dur="500" fill="hold"/>
+                                        <p:tgtEl>
+                                          <p:spTgt spid="9"/>
+                                        </p:tgtEl>
+                                        <p:attrNameLst>
+                                          <p:attrName>ppt_x</p:attrName>
+                                        </p:attrNameLst>
+                                      </p:cBhvr>
+                                      <p:tavLst>
+                                        <p:tav tm="0">
+                                          <p:val>
+                                            <p:strVal val="#ppt_x"/>
+                                          </p:val>
+                                        </p:tav>
+                                        <p:tav tm="100000">
+                                          <p:val>
+                                            <p:strVal val="#ppt_x"/>
+                                          </p:val>
+                                        </p:tav>
+                                      </p:tavLst>
+                                    </p:anim>
+                                    <p:anim calcmode="lin" valueType="num">
+                                      <p:cBhvr additive="base">
+                                        <p:cTn id="26" dur="500" fill="hold"/>
+                                        <p:tgtEl>
+                                          <p:spTgt spid="9"/>
+                                        </p:tgtEl>
+                                        <p:attrNameLst>
+                                          <p:attrName>ppt_y</p:attrName>
+                                        </p:attrNameLst>
+                                      </p:cBhvr>
+                                      <p:tavLst>
+                                        <p:tav tm="0">
+                                          <p:val>
+                                            <p:strVal val="1+#ppt_h/2"/>
+                                          </p:val>
+                                        </p:tav>
+                                        <p:tav tm="100000">
+                                          <p:val>
+                                            <p:strVal val="#ppt_y"/>
+                                          </p:val>
+                                        </p:tav>
+                                      </p:tavLst>
+                                    </p:anim>
+                                  </p:childTnLst>
+                                </p:cTn>
+                              </p:par>
+                            </p:childTnLst>
+                          </p:cTn>
+                        </p:par>
+                      </p:childTnLst>
+                    </p:cTn>
+                  </p:par>
+                  <p:par>
+                    <p:cTn id="27" fill="hold">
+                      <p:stCondLst>
+                        <p:cond delay="indefinite"/>
+                      </p:stCondLst>
+                      <p:childTnLst>
+                        <p:par>
+                          <p:cTn id="28" fill="hold">
+                            <p:stCondLst>
+                              <p:cond delay="0"/>
+                            </p:stCondLst>
+                            <p:childTnLst>
+                              <p:par>
+                                <p:cTn id="29" presetID="2" presetClass="entr" presetSubtype="4" fill="hold" nodeType="clickEffect">
+                                  <p:stCondLst>
+                                    <p:cond delay="0"/>
+                                  </p:stCondLst>
+                                  <p:childTnLst>
+                                    <p:set>
+                                      <p:cBhvr>
+                                        <p:cTn id="30" dur="1" fill="hold">
+                                          <p:stCondLst>
+                                            <p:cond delay="0"/>
+                                          </p:stCondLst>
+                                        </p:cTn>
+                                        <p:tgtEl>
+                                          <p:spTgt spid="18"/>
+                                        </p:tgtEl>
+                                        <p:attrNameLst>
+                                          <p:attrName>style.visibility</p:attrName>
+                                        </p:attrNameLst>
+                                      </p:cBhvr>
+                                      <p:to>
+                                        <p:strVal val="visible"/>
+                                      </p:to>
+                                    </p:set>
+                                    <p:anim calcmode="lin" valueType="num">
+                                      <p:cBhvr additive="base">
+                                        <p:cTn id="31" dur="500" fill="hold"/>
+                                        <p:tgtEl>
+                                          <p:spTgt spid="18"/>
+                                        </p:tgtEl>
+                                        <p:attrNameLst>
+                                          <p:attrName>ppt_x</p:attrName>
+                                        </p:attrNameLst>
+                                      </p:cBhvr>
+                                      <p:tavLst>
+                                        <p:tav tm="0">
+                                          <p:val>
+                                            <p:strVal val="#ppt_x"/>
+                                          </p:val>
+                                        </p:tav>
+                                        <p:tav tm="100000">
+                                          <p:val>
+                                            <p:strVal val="#ppt_x"/>
+                                          </p:val>
+                                        </p:tav>
+                                      </p:tavLst>
+                                    </p:anim>
+                                    <p:anim calcmode="lin" valueType="num">
+                                      <p:cBhvr additive="base">
+                                        <p:cTn id="32" dur="500" fill="hold"/>
+                                        <p:tgtEl>
+                                          <p:spTgt spid="18"/>
+                                        </p:tgtEl>
+                                        <p:attrNameLst>
+                                          <p:attrName>ppt_y</p:attrName>
+                                        </p:attrNameLst>
+                                      </p:cBhvr>
+                                      <p:tavLst>
+                                        <p:tav tm="0">
+                                          <p:val>
+                                            <p:strVal val="1+#ppt_h/2"/>
+                                          </p:val>
+                                        </p:tav>
+                                        <p:tav tm="100000">
+                                          <p:val>
+                                            <p:strVal val="#ppt_y"/>
+                                          </p:val>
+                                        </p:tav>
+                                      </p:tavLst>
+                                    </p:anim>
+                                  </p:childTnLst>
+                                </p:cTn>
+                              </p:par>
+                              <p:par>
+                                <p:cTn id="33" presetID="2" presetClass="entr" presetSubtype="4" fill="hold" nodeType="withEffect">
+                                  <p:stCondLst>
+                                    <p:cond delay="0"/>
+                                  </p:stCondLst>
+                                  <p:childTnLst>
+                                    <p:set>
+                                      <p:cBhvr>
+                                        <p:cTn id="34" dur="1" fill="hold">
+                                          <p:stCondLst>
+                                            <p:cond delay="0"/>
+                                          </p:stCondLst>
+                                        </p:cTn>
+                                        <p:tgtEl>
+                                          <p:spTgt spid="10"/>
+                                        </p:tgtEl>
+                                        <p:attrNameLst>
+                                          <p:attrName>style.visibility</p:attrName>
+                                        </p:attrNameLst>
+                                      </p:cBhvr>
+                                      <p:to>
+                                        <p:strVal val="visible"/>
+                                      </p:to>
+                                    </p:set>
+                                    <p:anim calcmode="lin" valueType="num">
+                                      <p:cBhvr additive="base">
+                                        <p:cTn id="35" dur="500" fill="hold"/>
+                                        <p:tgtEl>
+                                          <p:spTgt spid="10"/>
+                                        </p:tgtEl>
+                                        <p:attrNameLst>
+                                          <p:attrName>ppt_x</p:attrName>
+                                        </p:attrNameLst>
+                                      </p:cBhvr>
+                                      <p:tavLst>
+                                        <p:tav tm="0">
+                                          <p:val>
+                                            <p:strVal val="#ppt_x"/>
+                                          </p:val>
+                                        </p:tav>
+                                        <p:tav tm="100000">
+                                          <p:val>
+                                            <p:strVal val="#ppt_x"/>
+                                          </p:val>
+                                        </p:tav>
+                                      </p:tavLst>
+                                    </p:anim>
+                                    <p:anim calcmode="lin" valueType="num">
+                                      <p:cBhvr additive="base">
+                                        <p:cTn id="36" dur="500" fill="hold"/>
+                                        <p:tgtEl>
+                                          <p:spTgt spid="10"/>
+                                        </p:tgtEl>
+                                        <p:attrNameLst>
+                                          <p:attrName>ppt_y</p:attrName>
+                                        </p:attrNameLst>
+                                      </p:cBhvr>
+                                      <p:tavLst>
+                                        <p:tav tm="0">
+                                          <p:val>
+                                            <p:strVal val="1+#ppt_h/2"/>
+                                          </p:val>
+                                        </p:tav>
+                                        <p:tav tm="100000">
+                                          <p:val>
+                                            <p:strVal val="#ppt_y"/>
+                                          </p:val>
+                                        </p:tav>
+                                      </p:tavLst>
+                                    </p:anim>
+                                  </p:childTnLst>
+                                </p:cTn>
+                              </p:par>
+                            </p:childTnLst>
+                          </p:cTn>
+                        </p:par>
+                      </p:childTnLst>
+                    </p:cTn>
+                  </p:par>
+                  <p:par>
+                    <p:cTn id="37" fill="hold">
+                      <p:stCondLst>
+                        <p:cond delay="indefinite"/>
+                      </p:stCondLst>
+                      <p:childTnLst>
+                        <p:par>
+                          <p:cTn id="38" fill="hold">
+                            <p:stCondLst>
+                              <p:cond delay="0"/>
+                            </p:stCondLst>
+                            <p:childTnLst>
+                              <p:par>
+                                <p:cTn id="39" presetID="2" presetClass="entr" presetSubtype="4" fill="hold" nodeType="clickEffect">
+                                  <p:stCondLst>
+                                    <p:cond delay="0"/>
+                                  </p:stCondLst>
+                                  <p:childTnLst>
+                                    <p:set>
+                                      <p:cBhvr>
+                                        <p:cTn id="40" dur="1" fill="hold">
+                                          <p:stCondLst>
+                                            <p:cond delay="0"/>
+                                          </p:stCondLst>
+                                        </p:cTn>
+                                        <p:tgtEl>
+                                          <p:spTgt spid="19"/>
+                                        </p:tgtEl>
+                                        <p:attrNameLst>
+                                          <p:attrName>style.visibility</p:attrName>
+                                        </p:attrNameLst>
+                                      </p:cBhvr>
+                                      <p:to>
+                                        <p:strVal val="visible"/>
+                                      </p:to>
+                                    </p:set>
+                                    <p:anim calcmode="lin" valueType="num">
+                                      <p:cBhvr additive="base">
+                                        <p:cTn id="41" dur="500" fill="hold"/>
+                                        <p:tgtEl>
+                                          <p:spTgt spid="19"/>
+                                        </p:tgtEl>
+                                        <p:attrNameLst>
+                                          <p:attrName>ppt_x</p:attrName>
+                                        </p:attrNameLst>
+                                      </p:cBhvr>
+                                      <p:tavLst>
+                                        <p:tav tm="0">
+                                          <p:val>
+                                            <p:strVal val="#ppt_x"/>
+                                          </p:val>
+                                        </p:tav>
+                                        <p:tav tm="100000">
+                                          <p:val>
+                                            <p:strVal val="#ppt_x"/>
+                                          </p:val>
+                                        </p:tav>
+                                      </p:tavLst>
+                                    </p:anim>
+                                    <p:anim calcmode="lin" valueType="num">
+                                      <p:cBhvr additive="base">
+                                        <p:cTn id="42" dur="500" fill="hold"/>
+                                        <p:tgtEl>
+                                          <p:spTgt spid="19"/>
+                                        </p:tgtEl>
+                                        <p:attrNameLst>
+                                          <p:attrName>ppt_y</p:attrName>
+                                        </p:attrNameLst>
+                                      </p:cBhvr>
+                                      <p:tavLst>
+                                        <p:tav tm="0">
+                                          <p:val>
+                                            <p:strVal val="1+#ppt_h/2"/>
+                                          </p:val>
+                                        </p:tav>
+                                        <p:tav tm="100000">
+                                          <p:val>
+                                            <p:strVal val="#ppt_y"/>
+                                          </p:val>
+                                        </p:tav>
+                                      </p:tavLst>
+                                    </p:anim>
+                                  </p:childTnLst>
+                                </p:cTn>
+                              </p:par>
+                              <p:par>
+                                <p:cTn id="43" presetID="2" presetClass="entr" presetSubtype="4" fill="hold" nodeType="withEffect">
+                                  <p:stCondLst>
+                                    <p:cond delay="0"/>
+                                  </p:stCondLst>
+                                  <p:childTnLst>
+                                    <p:set>
+                                      <p:cBhvr>
+                                        <p:cTn id="44" dur="1" fill="hold">
+                                          <p:stCondLst>
+                                            <p:cond delay="0"/>
+                                          </p:stCondLst>
+                                        </p:cTn>
+                                        <p:tgtEl>
+                                          <p:spTgt spid="11"/>
+                                        </p:tgtEl>
+                                        <p:attrNameLst>
+                                          <p:attrName>style.visibility</p:attrName>
+                                        </p:attrNameLst>
+                                      </p:cBhvr>
+                                      <p:to>
+                                        <p:strVal val="visible"/>
+                                      </p:to>
+                                    </p:set>
+                                    <p:anim calcmode="lin" valueType="num">
+                                      <p:cBhvr additive="base">
+                                        <p:cTn id="45" dur="500" fill="hold"/>
+                                        <p:tgtEl>
+                                          <p:spTgt spid="11"/>
+                                        </p:tgtEl>
+                                        <p:attrNameLst>
+                                          <p:attrName>ppt_x</p:attrName>
+                                        </p:attrNameLst>
+                                      </p:cBhvr>
+                                      <p:tavLst>
+                                        <p:tav tm="0">
+                                          <p:val>
+                                            <p:strVal val="#ppt_x"/>
+                                          </p:val>
+                                        </p:tav>
+                                        <p:tav tm="100000">
+                                          <p:val>
+                                            <p:strVal val="#ppt_x"/>
+                                          </p:val>
+                                        </p:tav>
+                                      </p:tavLst>
+                                    </p:anim>
+                                    <p:anim calcmode="lin" valueType="num">
+                                      <p:cBhvr additive="base">
+                                        <p:cTn id="46" dur="500" fill="hold"/>
+                                        <p:tgtEl>
+                                          <p:spTgt spid="11"/>
+                                        </p:tgtEl>
+                                        <p:attrNameLst>
+                                          <p:attrName>ppt_y</p:attrName>
+                                        </p:attrNameLst>
+                                      </p:cBhvr>
+                                      <p:tavLst>
+                                        <p:tav tm="0">
+                                          <p:val>
+                                            <p:strVal val="1+#ppt_h/2"/>
+                                          </p:val>
+                                        </p:tav>
+                                        <p:tav tm="100000">
+                                          <p:val>
+                                            <p:strVal val="#ppt_y"/>
+                                          </p:val>
+                                        </p:tav>
+                                      </p:tavLst>
+                                    </p:anim>
+                                  </p:childTnLst>
+                                </p:cTn>
+                              </p:par>
+                              <p:par>
+                                <p:cTn id="47" presetID="2" presetClass="entr" presetSubtype="4" fill="hold" nodeType="withEffect">
+                                  <p:stCondLst>
+                                    <p:cond delay="0"/>
+                                  </p:stCondLst>
+                                  <p:childTnLst>
+                                    <p:set>
+                                      <p:cBhvr>
+                                        <p:cTn id="48" dur="1" fill="hold">
+                                          <p:stCondLst>
+                                            <p:cond delay="0"/>
+                                          </p:stCondLst>
+                                        </p:cTn>
+                                        <p:tgtEl>
+                                          <p:spTgt spid="23"/>
+                                        </p:tgtEl>
+                                        <p:attrNameLst>
+                                          <p:attrName>style.visibility</p:attrName>
+                                        </p:attrNameLst>
+                                      </p:cBhvr>
+                                      <p:to>
+                                        <p:strVal val="visible"/>
+                                      </p:to>
+                                    </p:set>
+                                    <p:anim calcmode="lin" valueType="num">
+                                      <p:cBhvr additive="base">
+                                        <p:cTn id="49" dur="500" fill="hold"/>
+                                        <p:tgtEl>
+                                          <p:spTgt spid="23"/>
+                                        </p:tgtEl>
+                                        <p:attrNameLst>
+                                          <p:attrName>ppt_x</p:attrName>
+                                        </p:attrNameLst>
+                                      </p:cBhvr>
+                                      <p:tavLst>
+                                        <p:tav tm="0">
+                                          <p:val>
+                                            <p:strVal val="#ppt_x"/>
+                                          </p:val>
+                                        </p:tav>
+                                        <p:tav tm="100000">
+                                          <p:val>
+                                            <p:strVal val="#ppt_x"/>
+                                          </p:val>
+                                        </p:tav>
+                                      </p:tavLst>
+                                    </p:anim>
+                                    <p:anim calcmode="lin" valueType="num">
+                                      <p:cBhvr additive="base">
+                                        <p:cTn id="50" dur="500" fill="hold"/>
+                                        <p:tgtEl>
+                                          <p:spTgt spid="23"/>
+                                        </p:tgtEl>
+                                        <p:attrNameLst>
+                                          <p:attrName>ppt_y</p:attrName>
+                                        </p:attrNameLst>
+                                      </p:cBhvr>
+                                      <p:tavLst>
+                                        <p:tav tm="0">
+                                          <p:val>
+                                            <p:strVal val="1+#ppt_h/2"/>
+                                          </p:val>
+                                        </p:tav>
+                                        <p:tav tm="100000">
+                                          <p:val>
+                                            <p:strVal val="#ppt_y"/>
+                                          </p:val>
+                                        </p:tav>
+                                      </p:tavLst>
+                                    </p:anim>
+                                  </p:childTnLst>
+                                </p:cTn>
+                              </p:par>
+                            </p:childTnLst>
+                          </p:cTn>
+                        </p:par>
+                      </p:childTnLst>
+                    </p:cTn>
+                  </p:par>
+                  <p:par>
+                    <p:cTn id="51" fill="hold">
+                      <p:stCondLst>
+                        <p:cond delay="indefinite"/>
+                      </p:stCondLst>
+                      <p:childTnLst>
+                        <p:par>
+                          <p:cTn id="52" fill="hold">
+                            <p:stCondLst>
+                              <p:cond delay="0"/>
+                            </p:stCondLst>
+                            <p:childTnLst>
+                              <p:par>
+                                <p:cTn id="53" presetID="2" presetClass="entr" presetSubtype="4" fill="hold" nodeType="clickEffect">
+                                  <p:stCondLst>
+                                    <p:cond delay="0"/>
+                                  </p:stCondLst>
+                                  <p:childTnLst>
+                                    <p:set>
+                                      <p:cBhvr>
+                                        <p:cTn id="54" dur="1" fill="hold">
+                                          <p:stCondLst>
+                                            <p:cond delay="0"/>
+                                          </p:stCondLst>
+                                        </p:cTn>
+                                        <p:tgtEl>
+                                          <p:spTgt spid="21"/>
+                                        </p:tgtEl>
+                                        <p:attrNameLst>
+                                          <p:attrName>style.visibility</p:attrName>
+                                        </p:attrNameLst>
+                                      </p:cBhvr>
+                                      <p:to>
+                                        <p:strVal val="visible"/>
+                                      </p:to>
+                                    </p:set>
+                                    <p:anim calcmode="lin" valueType="num">
+                                      <p:cBhvr additive="base">
+                                        <p:cTn id="55" dur="500" fill="hold"/>
+                                        <p:tgtEl>
+                                          <p:spTgt spid="21"/>
+                                        </p:tgtEl>
+                                        <p:attrNameLst>
+                                          <p:attrName>ppt_x</p:attrName>
+                                        </p:attrNameLst>
+                                      </p:cBhvr>
+                                      <p:tavLst>
+                                        <p:tav tm="0">
+                                          <p:val>
+                                            <p:strVal val="#ppt_x"/>
+                                          </p:val>
+                                        </p:tav>
+                                        <p:tav tm="100000">
+                                          <p:val>
+                                            <p:strVal val="#ppt_x"/>
+                                          </p:val>
+                                        </p:tav>
+                                      </p:tavLst>
+                                    </p:anim>
+                                    <p:anim calcmode="lin" valueType="num">
+                                      <p:cBhvr additive="base">
+                                        <p:cTn id="56" dur="500" fill="hold"/>
+                                        <p:tgtEl>
+                                          <p:spTgt spid="21"/>
+                                        </p:tgtEl>
+                                        <p:attrNameLst>
+                                          <p:attrName>ppt_y</p:attrName>
+                                        </p:attrNameLst>
+                                      </p:cBhvr>
+                                      <p:tavLst>
+                                        <p:tav tm="0">
+                                          <p:val>
+                                            <p:strVal val="1+#ppt_h/2"/>
+                                          </p:val>
+                                        </p:tav>
+                                        <p:tav tm="100000">
+                                          <p:val>
+                                            <p:strVal val="#ppt_y"/>
+                                          </p:val>
+                                        </p:tav>
+                                      </p:tavLst>
+                                    </p:anim>
+                                  </p:childTnLst>
+                                </p:cTn>
+                              </p:par>
+                              <p:par>
+                                <p:cTn id="57" presetID="2" presetClass="entr" presetSubtype="4" fill="hold" nodeType="withEffect">
+                                  <p:stCondLst>
+                                    <p:cond delay="0"/>
+                                  </p:stCondLst>
+                                  <p:childTnLst>
+                                    <p:set>
+                                      <p:cBhvr>
+                                        <p:cTn id="58" dur="1" fill="hold">
+                                          <p:stCondLst>
+                                            <p:cond delay="0"/>
+                                          </p:stCondLst>
+                                        </p:cTn>
+                                        <p:tgtEl>
+                                          <p:spTgt spid="20"/>
+                                        </p:tgtEl>
+                                        <p:attrNameLst>
+                                          <p:attrName>style.visibility</p:attrName>
+                                        </p:attrNameLst>
+                                      </p:cBhvr>
+                                      <p:to>
+                                        <p:strVal val="visible"/>
+                                      </p:to>
+                                    </p:set>
+                                    <p:anim calcmode="lin" valueType="num">
+                                      <p:cBhvr additive="base">
+                                        <p:cTn id="59" dur="500" fill="hold"/>
+                                        <p:tgtEl>
+                                          <p:spTgt spid="20"/>
+                                        </p:tgtEl>
+                                        <p:attrNameLst>
+                                          <p:attrName>ppt_x</p:attrName>
+                                        </p:attrNameLst>
+                                      </p:cBhvr>
+                                      <p:tavLst>
+                                        <p:tav tm="0">
+                                          <p:val>
+                                            <p:strVal val="#ppt_x"/>
+                                          </p:val>
+                                        </p:tav>
+                                        <p:tav tm="100000">
+                                          <p:val>
+                                            <p:strVal val="#ppt_x"/>
+                                          </p:val>
+                                        </p:tav>
+                                      </p:tavLst>
+                                    </p:anim>
+                                    <p:anim calcmode="lin" valueType="num">
+                                      <p:cBhvr additive="base">
+                                        <p:cTn id="60" dur="500" fill="hold"/>
+                                        <p:tgtEl>
+                                          <p:spTgt spid="20"/>
+                                        </p:tgtEl>
+                                        <p:attrNameLst>
+                                          <p:attrName>ppt_y</p:attrName>
+                                        </p:attrNameLst>
+                                      </p:cBhvr>
+                                      <p:tavLst>
+                                        <p:tav tm="0">
+                                          <p:val>
+                                            <p:strVal val="1+#ppt_h/2"/>
+                                          </p:val>
+                                        </p:tav>
+                                        <p:tav tm="100000">
+                                          <p:val>
+                                            <p:strVal val="#ppt_y"/>
+                                          </p:val>
+                                        </p:tav>
+                                      </p:tavLst>
+                                    </p:anim>
+                                  </p:childTnLst>
+                                </p:cTn>
+                              </p:par>
+                              <p:par>
+                                <p:cTn id="61" presetID="2" presetClass="entr" presetSubtype="4" fill="hold" nodeType="withEffect">
+                                  <p:stCondLst>
+                                    <p:cond delay="0"/>
+                                  </p:stCondLst>
+                                  <p:childTnLst>
+                                    <p:set>
+                                      <p:cBhvr>
+                                        <p:cTn id="62" dur="1" fill="hold">
+                                          <p:stCondLst>
+                                            <p:cond delay="0"/>
+                                          </p:stCondLst>
+                                        </p:cTn>
+                                        <p:tgtEl>
+                                          <p:spTgt spid="13"/>
+                                        </p:tgtEl>
+                                        <p:attrNameLst>
+                                          <p:attrName>style.visibility</p:attrName>
+                                        </p:attrNameLst>
+                                      </p:cBhvr>
+                                      <p:to>
+                                        <p:strVal val="visible"/>
+                                      </p:to>
+                                    </p:set>
+                                    <p:anim calcmode="lin" valueType="num">
+                                      <p:cBhvr additive="base">
+                                        <p:cTn id="63" dur="500" fill="hold"/>
+                                        <p:tgtEl>
+                                          <p:spTgt spid="13"/>
+                                        </p:tgtEl>
+                                        <p:attrNameLst>
+                                          <p:attrName>ppt_x</p:attrName>
+                                        </p:attrNameLst>
+                                      </p:cBhvr>
+                                      <p:tavLst>
+                                        <p:tav tm="0">
+                                          <p:val>
+                                            <p:strVal val="#ppt_x"/>
+                                          </p:val>
+                                        </p:tav>
+                                        <p:tav tm="100000">
+                                          <p:val>
+                                            <p:strVal val="#ppt_x"/>
+                                          </p:val>
+                                        </p:tav>
+                                      </p:tavLst>
+                                    </p:anim>
+                                    <p:anim calcmode="lin" valueType="num">
+                                      <p:cBhvr additive="base">
+                                        <p:cTn id="64" dur="500" fill="hold"/>
+                                        <p:tgtEl>
+                                          <p:spTgt spid="13"/>
+                                        </p:tgtEl>
+                                        <p:attrNameLst>
+                                          <p:attrName>ppt_y</p:attrName>
+                                        </p:attrNameLst>
+                                      </p:cBhvr>
+                                      <p:tavLst>
+                                        <p:tav tm="0">
+                                          <p:val>
+                                            <p:strVal val="1+#ppt_h/2"/>
+                                          </p:val>
+                                        </p:tav>
+                                        <p:tav tm="100000">
+                                          <p:val>
+                                            <p:strVal val="#ppt_y"/>
+                                          </p:val>
+                                        </p:tav>
+                                      </p:tavLst>
+                                    </p:anim>
+                                  </p:childTnLst>
+                                </p:cTn>
+                              </p:par>
+                            </p:childTnLst>
+                          </p:cTn>
+                        </p:par>
+                      </p:childTnLst>
+                    </p:cTn>
+                  </p:par>
+                  <p:par>
+                    <p:cTn id="65" fill="hold">
+                      <p:stCondLst>
+                        <p:cond delay="indefinite"/>
+                      </p:stCondLst>
+                      <p:childTnLst>
+                        <p:par>
+                          <p:cTn id="66" fill="hold">
+                            <p:stCondLst>
+                              <p:cond delay="0"/>
+                            </p:stCondLst>
+                            <p:childTnLst>
+                              <p:par>
+                                <p:cTn id="67" presetID="2" presetClass="entr" presetSubtype="4" fill="hold" nodeType="clickEffect">
+                                  <p:stCondLst>
+                                    <p:cond delay="0"/>
+                                  </p:stCondLst>
+                                  <p:childTnLst>
+                                    <p:set>
+                                      <p:cBhvr>
+                                        <p:cTn id="68" dur="1" fill="hold">
+                                          <p:stCondLst>
+                                            <p:cond delay="0"/>
+                                          </p:stCondLst>
+                                        </p:cTn>
+                                        <p:tgtEl>
+                                          <p:spTgt spid="24"/>
+                                        </p:tgtEl>
+                                        <p:attrNameLst>
+                                          <p:attrName>style.visibility</p:attrName>
+                                        </p:attrNameLst>
+                                      </p:cBhvr>
+                                      <p:to>
+                                        <p:strVal val="visible"/>
+                                      </p:to>
+                                    </p:set>
+                                    <p:anim calcmode="lin" valueType="num">
+                                      <p:cBhvr additive="base">
+                                        <p:cTn id="69" dur="500" fill="hold"/>
+                                        <p:tgtEl>
+                                          <p:spTgt spid="24"/>
+                                        </p:tgtEl>
+                                        <p:attrNameLst>
+                                          <p:attrName>ppt_x</p:attrName>
+                                        </p:attrNameLst>
+                                      </p:cBhvr>
+                                      <p:tavLst>
+                                        <p:tav tm="0">
+                                          <p:val>
+                                            <p:strVal val="#ppt_x"/>
+                                          </p:val>
+                                        </p:tav>
+                                        <p:tav tm="100000">
+                                          <p:val>
+                                            <p:strVal val="#ppt_x"/>
+                                          </p:val>
+                                        </p:tav>
+                                      </p:tavLst>
+                                    </p:anim>
+                                    <p:anim calcmode="lin" valueType="num">
+                                      <p:cBhvr additive="base">
+                                        <p:cTn id="70" dur="500" fill="hold"/>
+                                        <p:tgtEl>
+                                          <p:spTgt spid="24"/>
+                                        </p:tgtEl>
+                                        <p:attrNameLst>
+                                          <p:attrName>ppt_y</p:attrName>
+                                        </p:attrNameLst>
+                                      </p:cBhvr>
+                                      <p:tavLst>
+                                        <p:tav tm="0">
+                                          <p:val>
+                                            <p:strVal val="1+#ppt_h/2"/>
+                                          </p:val>
+                                        </p:tav>
+                                        <p:tav tm="100000">
+                                          <p:val>
+                                            <p:strVal val="#ppt_y"/>
+                                          </p:val>
+                                        </p:tav>
+                                      </p:tavLst>
+                                    </p:anim>
+                                  </p:childTnLst>
+                                </p:cTn>
+                              </p:par>
+                              <p:par>
+                                <p:cTn id="71" presetID="2" presetClass="entr" presetSubtype="4" fill="hold" nodeType="withEffect">
+                                  <p:stCondLst>
+                                    <p:cond delay="0"/>
+                                  </p:stCondLst>
+                                  <p:childTnLst>
+                                    <p:set>
+                                      <p:cBhvr>
+                                        <p:cTn id="72" dur="1" fill="hold">
+                                          <p:stCondLst>
+                                            <p:cond delay="0"/>
+                                          </p:stCondLst>
+                                        </p:cTn>
+                                        <p:tgtEl>
+                                          <p:spTgt spid="25"/>
+                                        </p:tgtEl>
+                                        <p:attrNameLst>
+                                          <p:attrName>style.visibility</p:attrName>
+                                        </p:attrNameLst>
+                                      </p:cBhvr>
+                                      <p:to>
+                                        <p:strVal val="visible"/>
+                                      </p:to>
+                                    </p:set>
+                                    <p:anim calcmode="lin" valueType="num">
+                                      <p:cBhvr additive="base">
+                                        <p:cTn id="73" dur="500" fill="hold"/>
+                                        <p:tgtEl>
+                                          <p:spTgt spid="25"/>
+                                        </p:tgtEl>
+                                        <p:attrNameLst>
+                                          <p:attrName>ppt_x</p:attrName>
+                                        </p:attrNameLst>
+                                      </p:cBhvr>
+                                      <p:tavLst>
+                                        <p:tav tm="0">
+                                          <p:val>
+                                            <p:strVal val="#ppt_x"/>
+                                          </p:val>
+                                        </p:tav>
+                                        <p:tav tm="100000">
+                                          <p:val>
+                                            <p:strVal val="#ppt_x"/>
+                                          </p:val>
+                                        </p:tav>
+                                      </p:tavLst>
+                                    </p:anim>
+                                    <p:anim calcmode="lin" valueType="num">
+                                      <p:cBhvr additive="base">
+                                        <p:cTn id="74" dur="500" fill="hold"/>
+                                        <p:tgtEl>
+                                          <p:spTgt spid="25"/>
+                                        </p:tgtEl>
+                                        <p:attrNameLst>
+                                          <p:attrName>ppt_y</p:attrName>
+                                        </p:attrNameLst>
+                                      </p:cBhvr>
+                                      <p:tavLst>
+                                        <p:tav tm="0">
+                                          <p:val>
+                                            <p:strVal val="1+#ppt_h/2"/>
+                                          </p:val>
+                                        </p:tav>
+                                        <p:tav tm="100000">
+                                          <p:val>
+                                            <p:strVal val="#ppt_y"/>
+                                          </p:val>
+                                        </p:tav>
+                                      </p:tavLst>
+                                    </p:anim>
+                                  </p:childTnLst>
+                                </p:cTn>
+                              </p:par>
+                              <p:par>
+                                <p:cTn id="75" presetID="2" presetClass="entr" presetSubtype="4" fill="hold" nodeType="withEffect">
+                                  <p:stCondLst>
+                                    <p:cond delay="0"/>
+                                  </p:stCondLst>
+                                  <p:childTnLst>
+                                    <p:set>
+                                      <p:cBhvr>
+                                        <p:cTn id="76" dur="1" fill="hold">
+                                          <p:stCondLst>
+                                            <p:cond delay="0"/>
+                                          </p:stCondLst>
+                                        </p:cTn>
+                                        <p:tgtEl>
+                                          <p:spTgt spid="14"/>
+                                        </p:tgtEl>
+                                        <p:attrNameLst>
+                                          <p:attrName>style.visibility</p:attrName>
+                                        </p:attrNameLst>
+                                      </p:cBhvr>
+                                      <p:to>
+                                        <p:strVal val="visible"/>
+                                      </p:to>
+                                    </p:set>
+                                    <p:anim calcmode="lin" valueType="num">
+                                      <p:cBhvr additive="base">
+                                        <p:cTn id="77" dur="500" fill="hold"/>
+                                        <p:tgtEl>
+                                          <p:spTgt spid="14"/>
+                                        </p:tgtEl>
+                                        <p:attrNameLst>
+                                          <p:attrName>ppt_x</p:attrName>
+                                        </p:attrNameLst>
+                                      </p:cBhvr>
+                                      <p:tavLst>
+                                        <p:tav tm="0">
+                                          <p:val>
+                                            <p:strVal val="#ppt_x"/>
+                                          </p:val>
+                                        </p:tav>
+                                        <p:tav tm="100000">
+                                          <p:val>
+                                            <p:strVal val="#ppt_x"/>
+                                          </p:val>
+                                        </p:tav>
+                                      </p:tavLst>
+                                    </p:anim>
+                                    <p:anim calcmode="lin" valueType="num">
+                                      <p:cBhvr additive="base">
+                                        <p:cTn id="78" dur="500" fill="hold"/>
+                                        <p:tgtEl>
+                                          <p:spTgt spid="14"/>
+                                        </p:tgtEl>
+                                        <p:attrNameLst>
+                                          <p:attrName>ppt_y</p:attrName>
+                                        </p:attrNameLst>
+                                      </p:cBhvr>
+                                      <p:tavLst>
+                                        <p:tav tm="0">
+                                          <p:val>
+                                            <p:strVal val="1+#ppt_h/2"/>
+                                          </p:val>
+                                        </p:tav>
+                                        <p:tav tm="100000">
+                                          <p:val>
+                                            <p:strVal val="#ppt_y"/>
+                                          </p:val>
+                                        </p:tav>
+                                      </p:tavLst>
+                                    </p:anim>
+                                  </p:childTnLst>
+                                </p:cTn>
+                              </p:par>
+                            </p:childTnLst>
+                          </p:cTn>
+                        </p:par>
+                      </p:childTnLst>
+                    </p:cTn>
+                  </p:par>
+                  <p:par>
+                    <p:cTn id="79" fill="hold">
+                      <p:stCondLst>
+                        <p:cond delay="indefinite"/>
+                      </p:stCondLst>
+                      <p:childTnLst>
+                        <p:par>
+                          <p:cTn id="80" fill="hold">
+                            <p:stCondLst>
+                              <p:cond delay="0"/>
+                            </p:stCondLst>
+                            <p:childTnLst>
+                              <p:par>
+                                <p:cTn id="81" presetID="2" presetClass="entr" presetSubtype="4" fill="hold" nodeType="clickEffect">
+                                  <p:stCondLst>
+                                    <p:cond delay="0"/>
+                                  </p:stCondLst>
+                                  <p:childTnLst>
+                                    <p:set>
+                                      <p:cBhvr>
+                                        <p:cTn id="82" dur="1" fill="hold">
+                                          <p:stCondLst>
+                                            <p:cond delay="0"/>
+                                          </p:stCondLst>
+                                        </p:cTn>
+                                        <p:tgtEl>
+                                          <p:spTgt spid="26"/>
+                                        </p:tgtEl>
+                                        <p:attrNameLst>
+                                          <p:attrName>style.visibility</p:attrName>
+                                        </p:attrNameLst>
+                                      </p:cBhvr>
+                                      <p:to>
+                                        <p:strVal val="visible"/>
+                                      </p:to>
+                                    </p:set>
+                                    <p:anim calcmode="lin" valueType="num">
+                                      <p:cBhvr additive="base">
+                                        <p:cTn id="83" dur="500" fill="hold"/>
+                                        <p:tgtEl>
+                                          <p:spTgt spid="26"/>
+                                        </p:tgtEl>
+                                        <p:attrNameLst>
+                                          <p:attrName>ppt_x</p:attrName>
+                                        </p:attrNameLst>
+                                      </p:cBhvr>
+                                      <p:tavLst>
+                                        <p:tav tm="0">
+                                          <p:val>
+                                            <p:strVal val="#ppt_x"/>
+                                          </p:val>
+                                        </p:tav>
+                                        <p:tav tm="100000">
+                                          <p:val>
+                                            <p:strVal val="#ppt_x"/>
+                                          </p:val>
+                                        </p:tav>
+                                      </p:tavLst>
+                                    </p:anim>
+                                    <p:anim calcmode="lin" valueType="num">
+                                      <p:cBhvr additive="base">
+                                        <p:cTn id="84" dur="500" fill="hold"/>
+                                        <p:tgtEl>
+                                          <p:spTgt spid="26"/>
+                                        </p:tgtEl>
+                                        <p:attrNameLst>
+                                          <p:attrName>ppt_y</p:attrName>
+                                        </p:attrNameLst>
+                                      </p:cBhvr>
+                                      <p:tavLst>
+                                        <p:tav tm="0">
+                                          <p:val>
+                                            <p:strVal val="1+#ppt_h/2"/>
+                                          </p:val>
+                                        </p:tav>
+                                        <p:tav tm="100000">
+                                          <p:val>
+                                            <p:strVal val="#ppt_y"/>
+                                          </p:val>
+                                        </p:tav>
+                                      </p:tavLst>
+                                    </p:anim>
+                                  </p:childTnLst>
+                                </p:cTn>
+                              </p:par>
+                              <p:par>
+                                <p:cTn id="85" presetID="2" presetClass="entr" presetSubtype="4" fill="hold" nodeType="withEffect">
+                                  <p:stCondLst>
+                                    <p:cond delay="0"/>
+                                  </p:stCondLst>
+                                  <p:childTnLst>
+                                    <p:set>
+                                      <p:cBhvr>
+                                        <p:cTn id="86" dur="1" fill="hold">
+                                          <p:stCondLst>
+                                            <p:cond delay="0"/>
+                                          </p:stCondLst>
+                                        </p:cTn>
+                                        <p:tgtEl>
+                                          <p:spTgt spid="27"/>
+                                        </p:tgtEl>
+                                        <p:attrNameLst>
+                                          <p:attrName>style.visibility</p:attrName>
+                                        </p:attrNameLst>
+                                      </p:cBhvr>
+                                      <p:to>
+                                        <p:strVal val="visible"/>
+                                      </p:to>
+                                    </p:set>
+                                    <p:anim calcmode="lin" valueType="num">
+                                      <p:cBhvr additive="base">
+                                        <p:cTn id="87" dur="500" fill="hold"/>
+                                        <p:tgtEl>
+                                          <p:spTgt spid="27"/>
+                                        </p:tgtEl>
+                                        <p:attrNameLst>
+                                          <p:attrName>ppt_x</p:attrName>
+                                        </p:attrNameLst>
+                                      </p:cBhvr>
+                                      <p:tavLst>
+                                        <p:tav tm="0">
+                                          <p:val>
+                                            <p:strVal val="#ppt_x"/>
+                                          </p:val>
+                                        </p:tav>
+                                        <p:tav tm="100000">
+                                          <p:val>
+                                            <p:strVal val="#ppt_x"/>
+                                          </p:val>
+                                        </p:tav>
+                                      </p:tavLst>
+                                    </p:anim>
+                                    <p:anim calcmode="lin" valueType="num">
+                                      <p:cBhvr additive="base">
+                                        <p:cTn id="88" dur="500" fill="hold"/>
+                                        <p:tgtEl>
+                                          <p:spTgt spid="27"/>
+                                        </p:tgtEl>
+                                        <p:attrNameLst>
+                                          <p:attrName>ppt_y</p:attrName>
+                                        </p:attrNameLst>
+                                      </p:cBhvr>
+                                      <p:tavLst>
+                                        <p:tav tm="0">
+                                          <p:val>
+                                            <p:strVal val="1+#ppt_h/2"/>
+                                          </p:val>
+                                        </p:tav>
+                                        <p:tav tm="100000">
+                                          <p:val>
+                                            <p:strVal val="#ppt_y"/>
+                                          </p:val>
+                                        </p:tav>
+                                      </p:tavLst>
+                                    </p:anim>
+                                  </p:childTnLst>
+                                </p:cTn>
+                              </p:par>
+                              <p:par>
+                                <p:cTn id="89" presetID="2" presetClass="entr" presetSubtype="4" fill="hold" nodeType="withEffect">
+                                  <p:stCondLst>
+                                    <p:cond delay="0"/>
+                                  </p:stCondLst>
+                                  <p:childTnLst>
+                                    <p:set>
+                                      <p:cBhvr>
+                                        <p:cTn id="90" dur="1" fill="hold">
+                                          <p:stCondLst>
+                                            <p:cond delay="0"/>
+                                          </p:stCondLst>
+                                        </p:cTn>
+                                        <p:tgtEl>
+                                          <p:spTgt spid="15"/>
+                                        </p:tgtEl>
+                                        <p:attrNameLst>
+                                          <p:attrName>style.visibility</p:attrName>
+                                        </p:attrNameLst>
+                                      </p:cBhvr>
+                                      <p:to>
+                                        <p:strVal val="visible"/>
+                                      </p:to>
+                                    </p:set>
+                                    <p:anim calcmode="lin" valueType="num">
+                                      <p:cBhvr additive="base">
+                                        <p:cTn id="91" dur="500" fill="hold"/>
+                                        <p:tgtEl>
+                                          <p:spTgt spid="15"/>
+                                        </p:tgtEl>
+                                        <p:attrNameLst>
+                                          <p:attrName>ppt_x</p:attrName>
+                                        </p:attrNameLst>
+                                      </p:cBhvr>
+                                      <p:tavLst>
+                                        <p:tav tm="0">
+                                          <p:val>
+                                            <p:strVal val="#ppt_x"/>
+                                          </p:val>
+                                        </p:tav>
+                                        <p:tav tm="100000">
+                                          <p:val>
+                                            <p:strVal val="#ppt_x"/>
+                                          </p:val>
+                                        </p:tav>
+                                      </p:tavLst>
+                                    </p:anim>
+                                    <p:anim calcmode="lin" valueType="num">
+                                      <p:cBhvr additive="base">
+                                        <p:cTn id="92" dur="500" fill="hold"/>
+                                        <p:tgtEl>
+                                          <p:spTgt spid="15"/>
+                                        </p:tgtEl>
+                                        <p:attrNameLst>
+                                          <p:attrName>ppt_y</p:attrName>
+                                        </p:attrNameLst>
+                                      </p:cBhvr>
+                                      <p:tavLst>
+                                        <p:tav tm="0">
+                                          <p:val>
+                                            <p:strVal val="1+#ppt_h/2"/>
+                                          </p:val>
+                                        </p:tav>
+                                        <p:tav tm="100000">
+                                          <p:val>
+                                            <p:strVal val="#ppt_y"/>
+                                          </p:val>
+                                        </p:tav>
+                                      </p:tavLst>
+                                    </p:anim>
+                                  </p:childTnLst>
+                                </p:cTn>
+                              </p:par>
+                            </p:childTnLst>
+                          </p:cTn>
+                        </p:par>
+                      </p:childTnLst>
+                    </p:cTn>
+                  </p:par>
+                </p:childTnLst>
+              </p:cTn>
+              <p:prevCondLst>
+                <p:cond evt="onPrev" delay="0">
+                  <p:tgtEl>
+                    <p:sldTgt/>
+                  </p:tgtEl>
+                </p:cond>
+              </p:prevCondLst>
+              <p:nextCondLst>
+                <p:cond evt="onNext" delay="0">
+                  <p:tgtEl>
+                    <p:sldTgt/>
+                  </p:tgtEl>
+                </p:cond>
+              </p:nextCondLst>
+            </p:seq>
+          </p:childTnLst>
+        </p:cTn>
+      </p:par>
+    </p:tnLst>
+  </p:timing>
+</p:sld>
+</file>
+
+<file path=ppt/slides/slide4.xml><?xml version="1.0" encoding="utf-8"?>
+<p:sld xmlns:a="http://schemas.openxmlformats.org/drawingml/2006/main" xmlns:r="http://schemas.openxmlformats.org/officeDocument/2006/relationships" xmlns:p="http://schemas.openxmlformats.org/presentationml/2006/main">
+  <p:cSld>
+    <p:spTree>
+      <p:nvGrpSpPr>
+        <p:cNvPr id="1" name=""/>
+        <p:cNvGrpSpPr/>
+        <p:nvPr/>
+      </p:nvGrpSpPr>
+      <p:grpSpPr>
+        <a:xfrm>
+          <a:off x="0" y="0"/>
+          <a:ext cx="0" cy="0"/>
+          <a:chOff x="0" y="0"/>
+          <a:chExt cx="0" cy="0"/>
+        </a:xfrm>
+      </p:grpSpPr>
       <p:sp>
         <p:nvSpPr>
           <p:cNvPr id="38914" name="Title 1">
@@ -4260,7 +9453,7 @@
 </p:sld>
 </file>
 
-<file path=ppt/slides/slide3.xml><?xml version="1.0" encoding="utf-8"?>
+<file path=ppt/slides/slide5.xml><?xml version="1.0" encoding="utf-8"?>
 <p:sld xmlns:a="http://schemas.openxmlformats.org/drawingml/2006/main" xmlns:r="http://schemas.openxmlformats.org/officeDocument/2006/relationships" xmlns:p="http://schemas.openxmlformats.org/presentationml/2006/main">
   <p:cSld>
     <p:spTree>
@@ -4368,97 +9561,7 @@
 </p:sld>
 </file>
 
-<file path=ppt/slides/slide4.xml><?xml version="1.0" encoding="utf-8"?>
-<p:sld xmlns:a="http://schemas.openxmlformats.org/drawingml/2006/main" xmlns:r="http://schemas.openxmlformats.org/officeDocument/2006/relationships" xmlns:p="http://schemas.openxmlformats.org/presentationml/2006/main">
-  <p:cSld>
-    <p:spTree>
-      <p:nvGrpSpPr>
-        <p:cNvPr id="1" name=""/>
-        <p:cNvGrpSpPr/>
-        <p:nvPr/>
-      </p:nvGrpSpPr>
-      <p:grpSpPr>
-        <a:xfrm>
-          <a:off x="0" y="0"/>
-          <a:ext cx="0" cy="0"/>
-          <a:chOff x="0" y="0"/>
-          <a:chExt cx="0" cy="0"/>
-        </a:xfrm>
-      </p:grpSpPr>
-      <p:pic>
-        <p:nvPicPr>
-          <p:cNvPr id="40962" name="Picture 2" descr="Image result for merge sort explained">
-            <a:extLst>
-              <a:ext uri="{FF2B5EF4-FFF2-40B4-BE49-F238E27FC236}">
-                <a16:creationId xmlns:a16="http://schemas.microsoft.com/office/drawing/2014/main" id="{0CD6FBB8-D296-4728-83B3-6F02BBD8E58A}"/>
-              </a:ext>
-            </a:extLst>
-          </p:cNvPr>
-          <p:cNvPicPr>
-            <a:picLocks noChangeAspect="1" noChangeArrowheads="1"/>
-          </p:cNvPicPr>
-          <p:nvPr/>
-        </p:nvPicPr>
-        <p:blipFill>
-          <a:blip r:embed="rId2">
-            <a:extLst>
-              <a:ext uri="{28A0092B-C50C-407E-A947-70E740481C1C}">
-                <a14:useLocalDpi xmlns:a14="http://schemas.microsoft.com/office/drawing/2010/main" val="0"/>
-              </a:ext>
-            </a:extLst>
-          </a:blip>
-          <a:srcRect/>
-          <a:stretch>
-            <a:fillRect/>
-          </a:stretch>
-        </p:blipFill>
-        <p:spPr bwMode="auto">
-          <a:xfrm>
-            <a:off x="2882901" y="381001"/>
-            <a:ext cx="6030913" cy="5921375"/>
-          </a:xfrm>
-          <a:prstGeom prst="rect">
-            <a:avLst/>
-          </a:prstGeom>
-          <a:noFill/>
-          <a:ln>
-            <a:noFill/>
-          </a:ln>
-          <a:extLst>
-            <a:ext uri="{909E8E84-426E-40DD-AFC4-6F175D3DCCD1}">
-              <a14:hiddenFill xmlns:a14="http://schemas.microsoft.com/office/drawing/2010/main">
-                <a:solidFill>
-                  <a:srgbClr val="FFFFFF"/>
-                </a:solidFill>
-              </a14:hiddenFill>
-            </a:ext>
-            <a:ext uri="{91240B29-F687-4F45-9708-019B960494DF}">
-              <a14:hiddenLine xmlns:a14="http://schemas.microsoft.com/office/drawing/2010/main" w="9525">
-                <a:solidFill>
-                  <a:srgbClr val="000000"/>
-                </a:solidFill>
-                <a:miter lim="800000"/>
-                <a:headEnd/>
-                <a:tailEnd/>
-              </a14:hiddenLine>
-            </a:ext>
-          </a:extLst>
-        </p:spPr>
-      </p:pic>
-    </p:spTree>
-    <p:extLst>
-      <p:ext uri="{BB962C8B-B14F-4D97-AF65-F5344CB8AC3E}">
-        <p14:creationId xmlns:p14="http://schemas.microsoft.com/office/powerpoint/2010/main" val="163863590"/>
-      </p:ext>
-    </p:extLst>
-  </p:cSld>
-  <p:clrMapOvr>
-    <a:masterClrMapping/>
-  </p:clrMapOvr>
-</p:sld>
-</file>
-
-<file path=ppt/slides/slide5.xml><?xml version="1.0" encoding="utf-8"?>
+<file path=ppt/slides/slide6.xml><?xml version="1.0" encoding="utf-8"?>
 <p:sld xmlns:a="http://schemas.openxmlformats.org/drawingml/2006/main" xmlns:r="http://schemas.openxmlformats.org/officeDocument/2006/relationships" xmlns:p="http://schemas.openxmlformats.org/presentationml/2006/main">
   <p:cSld>
     <p:spTree>
@@ -4576,7 +9679,7 @@
 </p:sld>
 </file>
 
-<file path=ppt/slides/slide6.xml><?xml version="1.0" encoding="utf-8"?>
+<file path=ppt/slides/slide7.xml><?xml version="1.0" encoding="utf-8"?>
 <p:sld xmlns:a="http://schemas.openxmlformats.org/drawingml/2006/main" xmlns:r="http://schemas.openxmlformats.org/officeDocument/2006/relationships" xmlns:p="http://schemas.openxmlformats.org/presentationml/2006/main">
   <p:cSld>
     <p:spTree>

--- a/MOD08_Recursion/01 Presentacion/INFO2_MOD08_3-Merge_Sort.pptx
+++ b/MOD08_Recursion/01 Presentacion/INFO2_MOD08_3-Merge_Sort.pptx
@@ -231,7 +231,7 @@
           <a:p>
             <a:fld id="{6AB1AF17-118D-084A-9561-24C354C6B611}" type="datetimeFigureOut">
               <a:rPr lang="es-ES_tradnl" smtClean="0"/>
-              <a:t>09/03/2020</a:t>
+              <a:t>19/04/2020</a:t>
             </a:fld>
             <a:endParaRPr lang="es-ES_tradnl"/>
           </a:p>
@@ -730,7 +730,7 @@
           <a:p>
             <a:fld id="{2167A42A-8D4A-48BE-87EF-28C7E229D938}" type="datetimeFigureOut">
               <a:rPr lang="en-US" smtClean="0"/>
-              <a:t>3/9/2020</a:t>
+              <a:t>4/19/2020</a:t>
             </a:fld>
             <a:endParaRPr lang="en-US"/>
           </a:p>
@@ -928,7 +928,7 @@
           <a:p>
             <a:fld id="{2167A42A-8D4A-48BE-87EF-28C7E229D938}" type="datetimeFigureOut">
               <a:rPr lang="en-US" smtClean="0"/>
-              <a:t>3/9/2020</a:t>
+              <a:t>4/19/2020</a:t>
             </a:fld>
             <a:endParaRPr lang="en-US"/>
           </a:p>
@@ -1136,7 +1136,7 @@
           <a:p>
             <a:fld id="{2167A42A-8D4A-48BE-87EF-28C7E229D938}" type="datetimeFigureOut">
               <a:rPr lang="en-US" smtClean="0"/>
-              <a:t>3/9/2020</a:t>
+              <a:t>4/19/2020</a:t>
             </a:fld>
             <a:endParaRPr lang="en-US"/>
           </a:p>
@@ -1498,7 +1498,7 @@
           <a:p>
             <a:fld id="{2167A42A-8D4A-48BE-87EF-28C7E229D938}" type="datetimeFigureOut">
               <a:rPr lang="en-US" smtClean="0"/>
-              <a:t>3/9/2020</a:t>
+              <a:t>4/19/2020</a:t>
             </a:fld>
             <a:endParaRPr lang="en-US"/>
           </a:p>
@@ -1773,7 +1773,7 @@
           <a:p>
             <a:fld id="{2167A42A-8D4A-48BE-87EF-28C7E229D938}" type="datetimeFigureOut">
               <a:rPr lang="en-US" smtClean="0"/>
-              <a:t>3/9/2020</a:t>
+              <a:t>4/19/2020</a:t>
             </a:fld>
             <a:endParaRPr lang="en-US"/>
           </a:p>
@@ -2038,7 +2038,7 @@
           <a:p>
             <a:fld id="{2167A42A-8D4A-48BE-87EF-28C7E229D938}" type="datetimeFigureOut">
               <a:rPr lang="en-US" smtClean="0"/>
-              <a:t>3/9/2020</a:t>
+              <a:t>4/19/2020</a:t>
             </a:fld>
             <a:endParaRPr lang="en-US"/>
           </a:p>
@@ -2450,7 +2450,7 @@
           <a:p>
             <a:fld id="{2167A42A-8D4A-48BE-87EF-28C7E229D938}" type="datetimeFigureOut">
               <a:rPr lang="en-US" smtClean="0"/>
-              <a:t>3/9/2020</a:t>
+              <a:t>4/19/2020</a:t>
             </a:fld>
             <a:endParaRPr lang="en-US"/>
           </a:p>
@@ -2591,7 +2591,7 @@
           <a:p>
             <a:fld id="{2167A42A-8D4A-48BE-87EF-28C7E229D938}" type="datetimeFigureOut">
               <a:rPr lang="en-US" smtClean="0"/>
-              <a:t>3/9/2020</a:t>
+              <a:t>4/19/2020</a:t>
             </a:fld>
             <a:endParaRPr lang="en-US"/>
           </a:p>
@@ -2704,7 +2704,7 @@
           <a:p>
             <a:fld id="{2167A42A-8D4A-48BE-87EF-28C7E229D938}" type="datetimeFigureOut">
               <a:rPr lang="en-US" smtClean="0"/>
-              <a:t>3/9/2020</a:t>
+              <a:t>4/19/2020</a:t>
             </a:fld>
             <a:endParaRPr lang="en-US"/>
           </a:p>
@@ -3015,7 +3015,7 @@
           <a:p>
             <a:fld id="{2167A42A-8D4A-48BE-87EF-28C7E229D938}" type="datetimeFigureOut">
               <a:rPr lang="en-US" smtClean="0"/>
-              <a:t>3/9/2020</a:t>
+              <a:t>4/19/2020</a:t>
             </a:fld>
             <a:endParaRPr lang="en-US"/>
           </a:p>
@@ -3303,7 +3303,7 @@
           <a:p>
             <a:fld id="{2167A42A-8D4A-48BE-87EF-28C7E229D938}" type="datetimeFigureOut">
               <a:rPr lang="en-US" smtClean="0"/>
-              <a:t>3/9/2020</a:t>
+              <a:t>4/19/2020</a:t>
             </a:fld>
             <a:endParaRPr lang="en-US"/>
           </a:p>
@@ -3544,7 +3544,7 @@
           <a:p>
             <a:fld id="{2167A42A-8D4A-48BE-87EF-28C7E229D938}" type="datetimeFigureOut">
               <a:rPr lang="en-US" smtClean="0"/>
-              <a:t>3/9/2020</a:t>
+              <a:t>4/19/2020</a:t>
             </a:fld>
             <a:endParaRPr lang="en-US"/>
           </a:p>
@@ -7360,7 +7360,14 @@
                 <a:latin typeface="Roboto" panose="02000000000000000000" pitchFamily="2" charset="0"/>
                 <a:ea typeface="Roboto" panose="02000000000000000000" pitchFamily="2" charset="0"/>
               </a:rPr>
-              <a:t>Diseña un método que permita partir un arreglo a la mitad, retornando las dos mitades en arreglos distintos.</a:t>
+              <a:t>Diseña un método que permita combinar dos arreglos, retornando el </a:t>
+            </a:r>
+            <a:r>
+              <a:rPr lang="es-MX" sz="3200">
+                <a:latin typeface="Roboto" panose="02000000000000000000" pitchFamily="2" charset="0"/>
+                <a:ea typeface="Roboto" panose="02000000000000000000" pitchFamily="2" charset="0"/>
+              </a:rPr>
+              <a:t>arreglo combinado.</a:t>
             </a:r>
             <a:endParaRPr lang="en-US" sz="3200" dirty="0">
               <a:latin typeface="Roboto" panose="02000000000000000000" pitchFamily="2" charset="0"/>
